--- a/notebook/images/绘图.pptx
+++ b/notebook/images/绘图.pptx
@@ -6,6 +6,8 @@
   </p:sldMasterIdLst>
   <p:sldIdLst>
     <p:sldId id="256" r:id="rId2"/>
+    <p:sldId id="257" r:id="rId3"/>
+    <p:sldId id="258" r:id="rId4"/>
   </p:sldIdLst>
   <p:sldSz cx="12192000" cy="6858000"/>
   <p:notesSz cx="6858000" cy="9144000"/>
@@ -104,6 +106,11 @@
       </a:defRPr>
     </a:lvl9pPr>
   </p:defaultTextStyle>
+  <p:extLst>
+    <p:ext uri="{EFAFB233-063F-42B5-8137-9DF3F51BA10A}">
+      <p15:sldGuideLst xmlns:p15="http://schemas.microsoft.com/office/powerpoint/2012/main"/>
+    </p:ext>
+  </p:extLst>
 </p:presentation>
 </file>
 
@@ -254,7 +261,7 @@
           <a:p>
             <a:fld id="{A12BD10F-F6E9-4BBB-AAD0-6E30AE8E914D}" type="datetimeFigureOut">
               <a:rPr lang="zh-CN" altLang="en-US" smtClean="0"/>
-              <a:t>2020/3/22</a:t>
+              <a:t>2020/3/27</a:t>
             </a:fld>
             <a:endParaRPr lang="zh-CN" altLang="en-US"/>
           </a:p>
@@ -452,7 +459,7 @@
           <a:p>
             <a:fld id="{A12BD10F-F6E9-4BBB-AAD0-6E30AE8E914D}" type="datetimeFigureOut">
               <a:rPr lang="zh-CN" altLang="en-US" smtClean="0"/>
-              <a:t>2020/3/22</a:t>
+              <a:t>2020/3/27</a:t>
             </a:fld>
             <a:endParaRPr lang="zh-CN" altLang="en-US"/>
           </a:p>
@@ -660,7 +667,7 @@
           <a:p>
             <a:fld id="{A12BD10F-F6E9-4BBB-AAD0-6E30AE8E914D}" type="datetimeFigureOut">
               <a:rPr lang="zh-CN" altLang="en-US" smtClean="0"/>
-              <a:t>2020/3/22</a:t>
+              <a:t>2020/3/27</a:t>
             </a:fld>
             <a:endParaRPr lang="zh-CN" altLang="en-US"/>
           </a:p>
@@ -858,7 +865,7 @@
           <a:p>
             <a:fld id="{A12BD10F-F6E9-4BBB-AAD0-6E30AE8E914D}" type="datetimeFigureOut">
               <a:rPr lang="zh-CN" altLang="en-US" smtClean="0"/>
-              <a:t>2020/3/22</a:t>
+              <a:t>2020/3/27</a:t>
             </a:fld>
             <a:endParaRPr lang="zh-CN" altLang="en-US"/>
           </a:p>
@@ -1133,7 +1140,7 @@
           <a:p>
             <a:fld id="{A12BD10F-F6E9-4BBB-AAD0-6E30AE8E914D}" type="datetimeFigureOut">
               <a:rPr lang="zh-CN" altLang="en-US" smtClean="0"/>
-              <a:t>2020/3/22</a:t>
+              <a:t>2020/3/27</a:t>
             </a:fld>
             <a:endParaRPr lang="zh-CN" altLang="en-US"/>
           </a:p>
@@ -1398,7 +1405,7 @@
           <a:p>
             <a:fld id="{A12BD10F-F6E9-4BBB-AAD0-6E30AE8E914D}" type="datetimeFigureOut">
               <a:rPr lang="zh-CN" altLang="en-US" smtClean="0"/>
-              <a:t>2020/3/22</a:t>
+              <a:t>2020/3/27</a:t>
             </a:fld>
             <a:endParaRPr lang="zh-CN" altLang="en-US"/>
           </a:p>
@@ -1810,7 +1817,7 @@
           <a:p>
             <a:fld id="{A12BD10F-F6E9-4BBB-AAD0-6E30AE8E914D}" type="datetimeFigureOut">
               <a:rPr lang="zh-CN" altLang="en-US" smtClean="0"/>
-              <a:t>2020/3/22</a:t>
+              <a:t>2020/3/27</a:t>
             </a:fld>
             <a:endParaRPr lang="zh-CN" altLang="en-US"/>
           </a:p>
@@ -1951,7 +1958,7 @@
           <a:p>
             <a:fld id="{A12BD10F-F6E9-4BBB-AAD0-6E30AE8E914D}" type="datetimeFigureOut">
               <a:rPr lang="zh-CN" altLang="en-US" smtClean="0"/>
-              <a:t>2020/3/22</a:t>
+              <a:t>2020/3/27</a:t>
             </a:fld>
             <a:endParaRPr lang="zh-CN" altLang="en-US"/>
           </a:p>
@@ -2064,7 +2071,7 @@
           <a:p>
             <a:fld id="{A12BD10F-F6E9-4BBB-AAD0-6E30AE8E914D}" type="datetimeFigureOut">
               <a:rPr lang="zh-CN" altLang="en-US" smtClean="0"/>
-              <a:t>2020/3/22</a:t>
+              <a:t>2020/3/27</a:t>
             </a:fld>
             <a:endParaRPr lang="zh-CN" altLang="en-US"/>
           </a:p>
@@ -2375,7 +2382,7 @@
           <a:p>
             <a:fld id="{A12BD10F-F6E9-4BBB-AAD0-6E30AE8E914D}" type="datetimeFigureOut">
               <a:rPr lang="zh-CN" altLang="en-US" smtClean="0"/>
-              <a:t>2020/3/22</a:t>
+              <a:t>2020/3/27</a:t>
             </a:fld>
             <a:endParaRPr lang="zh-CN" altLang="en-US"/>
           </a:p>
@@ -2663,7 +2670,7 @@
           <a:p>
             <a:fld id="{A12BD10F-F6E9-4BBB-AAD0-6E30AE8E914D}" type="datetimeFigureOut">
               <a:rPr lang="zh-CN" altLang="en-US" smtClean="0"/>
-              <a:t>2020/3/22</a:t>
+              <a:t>2020/3/27</a:t>
             </a:fld>
             <a:endParaRPr lang="zh-CN" altLang="en-US"/>
           </a:p>
@@ -2904,7 +2911,7 @@
           <a:p>
             <a:fld id="{A12BD10F-F6E9-4BBB-AAD0-6E30AE8E914D}" type="datetimeFigureOut">
               <a:rPr lang="zh-CN" altLang="en-US" smtClean="0"/>
-              <a:t>2020/3/22</a:t>
+              <a:t>2020/3/27</a:t>
             </a:fld>
             <a:endParaRPr lang="zh-CN" altLang="en-US"/>
           </a:p>
@@ -3898,14 +3905,14 @@
           <a:lstStyle/>
           <a:p>
             <a:r>
-              <a:rPr lang="en-US" altLang="zh-CN" sz="2800" b="1" dirty="0" err="1"/>
+              <a:rPr lang="en-US" altLang="zh-CN" sz="2800" b="1" err="1"/>
               <a:t>d_model</a:t>
             </a:r>
             <a:r>
-              <a:rPr lang="en-US" altLang="zh-CN" sz="2800" b="1" dirty="0"/>
+              <a:rPr lang="en-US" altLang="zh-CN" sz="2800" b="1"/>
               <a:t> = 8 * depth</a:t>
             </a:r>
-            <a:endParaRPr lang="zh-CN" altLang="en-US" sz="2800" b="1" dirty="0"/>
+            <a:endParaRPr lang="zh-CN" altLang="en-US" sz="2800" b="1"/>
           </a:p>
         </p:txBody>
       </p:sp>
@@ -3938,10 +3945,10 @@
           <a:lstStyle/>
           <a:p>
             <a:r>
-              <a:rPr lang="en-US" altLang="zh-CN" sz="2800" b="1" dirty="0" err="1"/>
+              <a:rPr lang="en-US" altLang="zh-CN" sz="2800" b="1" err="1"/>
               <a:t>seq_len</a:t>
             </a:r>
-            <a:endParaRPr lang="zh-CN" altLang="en-US" sz="2800" b="1" dirty="0"/>
+            <a:endParaRPr lang="zh-CN" altLang="en-US" sz="2800" b="1"/>
           </a:p>
         </p:txBody>
       </p:sp>
@@ -4028,10 +4035,10 @@
           <a:lstStyle/>
           <a:p>
             <a:r>
-              <a:rPr lang="en-US" altLang="zh-CN" sz="2800" b="1" dirty="0" err="1"/>
+              <a:rPr lang="en-US" altLang="zh-CN" sz="2800" b="1" err="1"/>
               <a:t>seq_len</a:t>
             </a:r>
-            <a:endParaRPr lang="zh-CN" altLang="en-US" sz="2800" b="1" dirty="0"/>
+            <a:endParaRPr lang="zh-CN" altLang="en-US" sz="2800" b="1"/>
           </a:p>
         </p:txBody>
       </p:sp>
@@ -4118,10 +4125,10 @@
           <a:lstStyle/>
           <a:p>
             <a:r>
-              <a:rPr lang="en-US" altLang="zh-CN" sz="2800" b="1" dirty="0"/>
+              <a:rPr lang="en-US" altLang="zh-CN" sz="2800" b="1"/>
               <a:t>depth</a:t>
             </a:r>
-            <a:endParaRPr lang="zh-CN" altLang="en-US" sz="2800" b="1" dirty="0"/>
+            <a:endParaRPr lang="zh-CN" altLang="en-US" sz="2800" b="1"/>
           </a:p>
         </p:txBody>
       </p:sp>
@@ -4457,6 +4464,4266 @@
     <p:extLst>
       <p:ext uri="{BB962C8B-B14F-4D97-AF65-F5344CB8AC3E}">
         <p14:creationId xmlns:p14="http://schemas.microsoft.com/office/powerpoint/2010/main" val="2500552673"/>
+      </p:ext>
+    </p:extLst>
+  </p:cSld>
+  <p:clrMapOvr>
+    <a:masterClrMapping/>
+  </p:clrMapOvr>
+</p:sld>
+</file>
+
+<file path=ppt/slides/slide2.xml><?xml version="1.0" encoding="utf-8"?>
+<p:sld xmlns:a="http://schemas.openxmlformats.org/drawingml/2006/main" xmlns:r="http://schemas.openxmlformats.org/officeDocument/2006/relationships" xmlns:p="http://schemas.openxmlformats.org/presentationml/2006/main">
+  <p:cSld>
+    <p:spTree>
+      <p:nvGrpSpPr>
+        <p:cNvPr id="1" name=""/>
+        <p:cNvGrpSpPr/>
+        <p:nvPr/>
+      </p:nvGrpSpPr>
+      <p:grpSpPr>
+        <a:xfrm>
+          <a:off x="0" y="0"/>
+          <a:ext cx="0" cy="0"/>
+          <a:chOff x="0" y="0"/>
+          <a:chExt cx="0" cy="0"/>
+        </a:xfrm>
+      </p:grpSpPr>
+      <p:sp>
+        <p:nvSpPr>
+          <p:cNvPr id="68" name="矩形: 圆角 67">
+            <a:extLst>
+              <a:ext uri="{FF2B5EF4-FFF2-40B4-BE49-F238E27FC236}">
+                <a16:creationId xmlns:a16="http://schemas.microsoft.com/office/drawing/2014/main" id="{AFA93778-4951-4EE2-AE9A-B593DCE8AF70}"/>
+              </a:ext>
+            </a:extLst>
+          </p:cNvPr>
+          <p:cNvSpPr/>
+          <p:nvPr/>
+        </p:nvSpPr>
+        <p:spPr>
+          <a:xfrm>
+            <a:off x="4476000" y="2034000"/>
+            <a:ext cx="2430000" cy="3396270"/>
+          </a:xfrm>
+          <a:prstGeom prst="roundRect">
+            <a:avLst/>
+          </a:prstGeom>
+          <a:solidFill>
+            <a:srgbClr val="F3F3F4"/>
+          </a:solidFill>
+          <a:ln w="38100">
+            <a:solidFill>
+              <a:schemeClr val="tx1"/>
+            </a:solidFill>
+          </a:ln>
+        </p:spPr>
+        <p:style>
+          <a:lnRef idx="2">
+            <a:schemeClr val="accent1">
+              <a:shade val="50000"/>
+            </a:schemeClr>
+          </a:lnRef>
+          <a:fillRef idx="1">
+            <a:schemeClr val="accent1"/>
+          </a:fillRef>
+          <a:effectRef idx="0">
+            <a:schemeClr val="accent1"/>
+          </a:effectRef>
+          <a:fontRef idx="minor">
+            <a:schemeClr val="lt1"/>
+          </a:fontRef>
+        </p:style>
+        <p:txBody>
+          <a:bodyPr rtlCol="0" anchor="ctr"/>
+          <a:lstStyle/>
+          <a:p>
+            <a:pPr algn="ctr"/>
+            <a:endParaRPr lang="zh-CN" altLang="en-US" sz="1600">
+              <a:solidFill>
+                <a:schemeClr val="tx1"/>
+              </a:solidFill>
+              <a:latin typeface="微软雅黑" panose="020B0503020204020204" pitchFamily="34" charset="-122"/>
+              <a:ea typeface="微软雅黑" panose="020B0503020204020204" pitchFamily="34" charset="-122"/>
+              <a:cs typeface="Microsoft Sans Serif" panose="020B0604020202020204" pitchFamily="34" charset="0"/>
+            </a:endParaRPr>
+          </a:p>
+        </p:txBody>
+      </p:sp>
+      <p:sp>
+        <p:nvSpPr>
+          <p:cNvPr id="5" name="矩形: 圆角 4">
+            <a:extLst>
+              <a:ext uri="{FF2B5EF4-FFF2-40B4-BE49-F238E27FC236}">
+                <a16:creationId xmlns:a16="http://schemas.microsoft.com/office/drawing/2014/main" id="{7E934746-BA83-4D37-A594-EE1EC5AED0DC}"/>
+              </a:ext>
+            </a:extLst>
+          </p:cNvPr>
+          <p:cNvSpPr/>
+          <p:nvPr/>
+        </p:nvSpPr>
+        <p:spPr>
+          <a:xfrm>
+            <a:off x="4971000" y="6184870"/>
+            <a:ext cx="1530000" cy="569618"/>
+          </a:xfrm>
+          <a:prstGeom prst="roundRect">
+            <a:avLst/>
+          </a:prstGeom>
+          <a:solidFill>
+            <a:srgbClr val="FCE0E1"/>
+          </a:solidFill>
+          <a:ln w="38100">
+            <a:solidFill>
+              <a:schemeClr val="tx1"/>
+            </a:solidFill>
+          </a:ln>
+        </p:spPr>
+        <p:style>
+          <a:lnRef idx="2">
+            <a:schemeClr val="accent1">
+              <a:shade val="50000"/>
+            </a:schemeClr>
+          </a:lnRef>
+          <a:fillRef idx="1">
+            <a:schemeClr val="accent1"/>
+          </a:fillRef>
+          <a:effectRef idx="0">
+            <a:schemeClr val="accent1"/>
+          </a:effectRef>
+          <a:fontRef idx="minor">
+            <a:schemeClr val="lt1"/>
+          </a:fontRef>
+        </p:style>
+        <p:txBody>
+          <a:bodyPr rtlCol="0" anchor="ctr"/>
+          <a:lstStyle/>
+          <a:p>
+            <a:pPr algn="ctr"/>
+            <a:r>
+              <a:rPr lang="en-US" altLang="zh-CN" sz="1600">
+                <a:solidFill>
+                  <a:schemeClr val="tx1"/>
+                </a:solidFill>
+                <a:latin typeface="MS Reference Sans Serif" panose="020B0604030504040204" pitchFamily="34" charset="0"/>
+                <a:ea typeface="微软雅黑" panose="020B0503020204020204" pitchFamily="34" charset="-122"/>
+                <a:cs typeface="Calibri" panose="020F0502020204030204" pitchFamily="34" charset="0"/>
+              </a:rPr>
+              <a:t>Input</a:t>
+            </a:r>
+          </a:p>
+          <a:p>
+            <a:pPr algn="ctr"/>
+            <a:r>
+              <a:rPr lang="en-US" altLang="zh-CN" sz="1600">
+                <a:solidFill>
+                  <a:schemeClr val="tx1"/>
+                </a:solidFill>
+                <a:latin typeface="MS Reference Sans Serif" panose="020B0604030504040204" pitchFamily="34" charset="0"/>
+                <a:ea typeface="微软雅黑" panose="020B0503020204020204" pitchFamily="34" charset="-122"/>
+                <a:cs typeface="Calibri" panose="020F0502020204030204" pitchFamily="34" charset="0"/>
+              </a:rPr>
+              <a:t>Embedding</a:t>
+            </a:r>
+            <a:endParaRPr lang="zh-CN" altLang="en-US" sz="1600">
+              <a:solidFill>
+                <a:schemeClr val="tx1"/>
+              </a:solidFill>
+              <a:latin typeface="MS Reference Sans Serif" panose="020B0604030504040204" pitchFamily="34" charset="0"/>
+              <a:ea typeface="微软雅黑" panose="020B0503020204020204" pitchFamily="34" charset="-122"/>
+              <a:cs typeface="Calibri" panose="020F0502020204030204" pitchFamily="34" charset="0"/>
+            </a:endParaRPr>
+          </a:p>
+        </p:txBody>
+      </p:sp>
+      <p:sp>
+        <p:nvSpPr>
+          <p:cNvPr id="6" name="矩形: 圆角 5">
+            <a:extLst>
+              <a:ext uri="{FF2B5EF4-FFF2-40B4-BE49-F238E27FC236}">
+                <a16:creationId xmlns:a16="http://schemas.microsoft.com/office/drawing/2014/main" id="{580E41A3-A6BF-43DD-B4F1-6BC4E0087FBF}"/>
+              </a:ext>
+            </a:extLst>
+          </p:cNvPr>
+          <p:cNvSpPr/>
+          <p:nvPr/>
+        </p:nvSpPr>
+        <p:spPr>
+          <a:xfrm>
+            <a:off x="4971000" y="4261932"/>
+            <a:ext cx="1530000" cy="569618"/>
+          </a:xfrm>
+          <a:prstGeom prst="roundRect">
+            <a:avLst/>
+          </a:prstGeom>
+          <a:solidFill>
+            <a:srgbClr val="FFE2BB"/>
+          </a:solidFill>
+          <a:ln w="38100">
+            <a:solidFill>
+              <a:schemeClr val="tx1"/>
+            </a:solidFill>
+          </a:ln>
+        </p:spPr>
+        <p:style>
+          <a:lnRef idx="2">
+            <a:schemeClr val="accent1">
+              <a:shade val="50000"/>
+            </a:schemeClr>
+          </a:lnRef>
+          <a:fillRef idx="1">
+            <a:schemeClr val="accent1"/>
+          </a:fillRef>
+          <a:effectRef idx="0">
+            <a:schemeClr val="accent1"/>
+          </a:effectRef>
+          <a:fontRef idx="minor">
+            <a:schemeClr val="lt1"/>
+          </a:fontRef>
+        </p:style>
+        <p:txBody>
+          <a:bodyPr rtlCol="0" anchor="ctr"/>
+          <a:lstStyle/>
+          <a:p>
+            <a:pPr algn="ctr"/>
+            <a:r>
+              <a:rPr lang="en-US" altLang="zh-CN" sz="1600">
+                <a:solidFill>
+                  <a:schemeClr val="tx1"/>
+                </a:solidFill>
+                <a:latin typeface="MS Reference Sans Serif" panose="020B0604030504040204" pitchFamily="34" charset="0"/>
+                <a:ea typeface="微软雅黑" panose="020B0503020204020204" pitchFamily="34" charset="-122"/>
+                <a:cs typeface="Microsoft Sans Serif" panose="020B0604020202020204" pitchFamily="34" charset="0"/>
+              </a:rPr>
+              <a:t>Multi-Head</a:t>
+            </a:r>
+          </a:p>
+          <a:p>
+            <a:pPr algn="ctr"/>
+            <a:r>
+              <a:rPr lang="en-US" altLang="zh-CN" sz="1600">
+                <a:solidFill>
+                  <a:schemeClr val="tx1"/>
+                </a:solidFill>
+                <a:latin typeface="MS Reference Sans Serif" panose="020B0604030504040204" pitchFamily="34" charset="0"/>
+                <a:ea typeface="微软雅黑" panose="020B0503020204020204" pitchFamily="34" charset="-122"/>
+                <a:cs typeface="Microsoft Sans Serif" panose="020B0604020202020204" pitchFamily="34" charset="0"/>
+              </a:rPr>
+              <a:t>Attention</a:t>
+            </a:r>
+            <a:endParaRPr lang="zh-CN" altLang="en-US" sz="1600">
+              <a:solidFill>
+                <a:schemeClr val="tx1"/>
+              </a:solidFill>
+              <a:latin typeface="MS Reference Sans Serif" panose="020B0604030504040204" pitchFamily="34" charset="0"/>
+              <a:ea typeface="微软雅黑" panose="020B0503020204020204" pitchFamily="34" charset="-122"/>
+              <a:cs typeface="Microsoft Sans Serif" panose="020B0604020202020204" pitchFamily="34" charset="0"/>
+            </a:endParaRPr>
+          </a:p>
+        </p:txBody>
+      </p:sp>
+      <p:sp>
+        <p:nvSpPr>
+          <p:cNvPr id="8" name="矩形: 圆角 7">
+            <a:extLst>
+              <a:ext uri="{FF2B5EF4-FFF2-40B4-BE49-F238E27FC236}">
+                <a16:creationId xmlns:a16="http://schemas.microsoft.com/office/drawing/2014/main" id="{8F7ED1D3-8384-4B6D-9DBD-19C54FA8AC25}"/>
+              </a:ext>
+            </a:extLst>
+          </p:cNvPr>
+          <p:cNvSpPr/>
+          <p:nvPr/>
+        </p:nvSpPr>
+        <p:spPr>
+          <a:xfrm>
+            <a:off x="4971600" y="2756792"/>
+            <a:ext cx="1530000" cy="569618"/>
+          </a:xfrm>
+          <a:prstGeom prst="roundRect">
+            <a:avLst/>
+          </a:prstGeom>
+          <a:solidFill>
+            <a:srgbClr val="C1E7F6"/>
+          </a:solidFill>
+          <a:ln w="38100">
+            <a:solidFill>
+              <a:schemeClr val="tx1"/>
+            </a:solidFill>
+          </a:ln>
+        </p:spPr>
+        <p:style>
+          <a:lnRef idx="2">
+            <a:schemeClr val="accent1">
+              <a:shade val="50000"/>
+            </a:schemeClr>
+          </a:lnRef>
+          <a:fillRef idx="1">
+            <a:schemeClr val="accent1"/>
+          </a:fillRef>
+          <a:effectRef idx="0">
+            <a:schemeClr val="accent1"/>
+          </a:effectRef>
+          <a:fontRef idx="minor">
+            <a:schemeClr val="lt1"/>
+          </a:fontRef>
+        </p:style>
+        <p:txBody>
+          <a:bodyPr rtlCol="0" anchor="ctr"/>
+          <a:lstStyle/>
+          <a:p>
+            <a:pPr algn="ctr"/>
+            <a:r>
+              <a:rPr lang="en-US" altLang="zh-CN" sz="1600">
+                <a:solidFill>
+                  <a:schemeClr val="tx1"/>
+                </a:solidFill>
+                <a:latin typeface="MS Reference Sans Serif" panose="020B0604030504040204" pitchFamily="34" charset="0"/>
+                <a:ea typeface="微软雅黑" panose="020B0503020204020204" pitchFamily="34" charset="-122"/>
+                <a:cs typeface="Microsoft Sans Serif" panose="020B0604020202020204" pitchFamily="34" charset="0"/>
+              </a:rPr>
+              <a:t>Feed</a:t>
+            </a:r>
+          </a:p>
+          <a:p>
+            <a:pPr algn="ctr"/>
+            <a:r>
+              <a:rPr lang="en-US" altLang="zh-CN" sz="1600">
+                <a:solidFill>
+                  <a:schemeClr val="tx1"/>
+                </a:solidFill>
+                <a:latin typeface="MS Reference Sans Serif" panose="020B0604030504040204" pitchFamily="34" charset="0"/>
+                <a:ea typeface="微软雅黑" panose="020B0503020204020204" pitchFamily="34" charset="-122"/>
+                <a:cs typeface="Microsoft Sans Serif" panose="020B0604020202020204" pitchFamily="34" charset="0"/>
+              </a:rPr>
+              <a:t>Forward</a:t>
+            </a:r>
+            <a:endParaRPr lang="zh-CN" altLang="en-US" sz="1600">
+              <a:solidFill>
+                <a:schemeClr val="tx1"/>
+              </a:solidFill>
+              <a:latin typeface="MS Reference Sans Serif" panose="020B0604030504040204" pitchFamily="34" charset="0"/>
+              <a:ea typeface="微软雅黑" panose="020B0503020204020204" pitchFamily="34" charset="-122"/>
+              <a:cs typeface="Microsoft Sans Serif" panose="020B0604020202020204" pitchFamily="34" charset="0"/>
+            </a:endParaRPr>
+          </a:p>
+        </p:txBody>
+      </p:sp>
+      <p:sp>
+        <p:nvSpPr>
+          <p:cNvPr id="9" name="矩形: 圆角 8">
+            <a:extLst>
+              <a:ext uri="{FF2B5EF4-FFF2-40B4-BE49-F238E27FC236}">
+                <a16:creationId xmlns:a16="http://schemas.microsoft.com/office/drawing/2014/main" id="{C69BE727-EB5D-48F5-B1AC-1569FF2CC0C3}"/>
+              </a:ext>
+            </a:extLst>
+          </p:cNvPr>
+          <p:cNvSpPr/>
+          <p:nvPr/>
+        </p:nvSpPr>
+        <p:spPr>
+          <a:xfrm>
+            <a:off x="4971000" y="2296751"/>
+            <a:ext cx="1530000" cy="299618"/>
+          </a:xfrm>
+          <a:prstGeom prst="roundRect">
+            <a:avLst/>
+          </a:prstGeom>
+          <a:solidFill>
+            <a:srgbClr val="F1F3C0"/>
+          </a:solidFill>
+          <a:ln w="38100">
+            <a:solidFill>
+              <a:schemeClr val="tx1"/>
+            </a:solidFill>
+          </a:ln>
+        </p:spPr>
+        <p:style>
+          <a:lnRef idx="2">
+            <a:schemeClr val="accent1">
+              <a:shade val="50000"/>
+            </a:schemeClr>
+          </a:lnRef>
+          <a:fillRef idx="1">
+            <a:schemeClr val="accent1"/>
+          </a:fillRef>
+          <a:effectRef idx="0">
+            <a:schemeClr val="accent1"/>
+          </a:effectRef>
+          <a:fontRef idx="minor">
+            <a:schemeClr val="lt1"/>
+          </a:fontRef>
+        </p:style>
+        <p:txBody>
+          <a:bodyPr rtlCol="0" anchor="ctr"/>
+          <a:lstStyle/>
+          <a:p>
+            <a:pPr algn="ctr"/>
+            <a:r>
+              <a:rPr lang="en-US" altLang="zh-CN" sz="1600">
+                <a:solidFill>
+                  <a:schemeClr val="tx1"/>
+                </a:solidFill>
+                <a:latin typeface="微软雅黑" panose="020B0503020204020204" pitchFamily="34" charset="-122"/>
+                <a:ea typeface="微软雅黑" panose="020B0503020204020204" pitchFamily="34" charset="-122"/>
+                <a:cs typeface="Microsoft Sans Serif" panose="020B0604020202020204" pitchFamily="34" charset="0"/>
+              </a:rPr>
+              <a:t>Add &amp; Norm</a:t>
+            </a:r>
+            <a:endParaRPr lang="zh-CN" altLang="en-US" sz="1600">
+              <a:solidFill>
+                <a:schemeClr val="tx1"/>
+              </a:solidFill>
+              <a:latin typeface="微软雅黑" panose="020B0503020204020204" pitchFamily="34" charset="-122"/>
+              <a:ea typeface="微软雅黑" panose="020B0503020204020204" pitchFamily="34" charset="-122"/>
+              <a:cs typeface="Microsoft Sans Serif" panose="020B0604020202020204" pitchFamily="34" charset="0"/>
+            </a:endParaRPr>
+          </a:p>
+        </p:txBody>
+      </p:sp>
+      <p:grpSp>
+        <p:nvGrpSpPr>
+          <p:cNvPr id="46" name="组合 45">
+            <a:extLst>
+              <a:ext uri="{FF2B5EF4-FFF2-40B4-BE49-F238E27FC236}">
+                <a16:creationId xmlns:a16="http://schemas.microsoft.com/office/drawing/2014/main" id="{EF3879EB-5A03-4892-9DA4-9E9618222EEB}"/>
+              </a:ext>
+            </a:extLst>
+          </p:cNvPr>
+          <p:cNvGrpSpPr/>
+          <p:nvPr/>
+        </p:nvGrpSpPr>
+        <p:grpSpPr>
+          <a:xfrm rot="10800000">
+            <a:off x="4654200" y="5590693"/>
+            <a:ext cx="450000" cy="466298"/>
+            <a:chOff x="3576000" y="4014001"/>
+            <a:chExt cx="718655" cy="744683"/>
+          </a:xfrm>
+        </p:grpSpPr>
+        <p:sp>
+          <p:nvSpPr>
+            <p:cNvPr id="44" name="任意多边形: 形状 43">
+              <a:extLst>
+                <a:ext uri="{FF2B5EF4-FFF2-40B4-BE49-F238E27FC236}">
+                  <a16:creationId xmlns:a16="http://schemas.microsoft.com/office/drawing/2014/main" id="{0F083510-B19D-4E49-ACDF-81E0E9627F07}"/>
+                </a:ext>
+              </a:extLst>
+            </p:cNvPr>
+            <p:cNvSpPr>
+              <a:spLocks noChangeAspect="1"/>
+            </p:cNvSpPr>
+            <p:nvPr/>
+          </p:nvSpPr>
+          <p:spPr>
+            <a:xfrm rot="16200000">
+              <a:off x="3665328" y="4129356"/>
+              <a:ext cx="540000" cy="718655"/>
+            </a:xfrm>
+            <a:custGeom>
+              <a:avLst/>
+              <a:gdLst>
+                <a:gd name="connsiteX0" fmla="*/ 540000 w 540000"/>
+                <a:gd name="connsiteY0" fmla="*/ 180000 h 718655"/>
+                <a:gd name="connsiteX1" fmla="*/ 360000 w 540000"/>
+                <a:gd name="connsiteY1" fmla="*/ 360000 h 718655"/>
+                <a:gd name="connsiteX2" fmla="*/ 180000 w 540000"/>
+                <a:gd name="connsiteY2" fmla="*/ 540000 h 718655"/>
+                <a:gd name="connsiteX3" fmla="*/ 289936 w 540000"/>
+                <a:gd name="connsiteY3" fmla="*/ 705855 h 718655"/>
+                <a:gd name="connsiteX4" fmla="*/ 346658 w 540000"/>
+                <a:gd name="connsiteY4" fmla="*/ 717306 h 718655"/>
+                <a:gd name="connsiteX5" fmla="*/ 346658 w 540000"/>
+                <a:gd name="connsiteY5" fmla="*/ 718655 h 718655"/>
+                <a:gd name="connsiteX6" fmla="*/ 287448 w 540000"/>
+                <a:gd name="connsiteY6" fmla="*/ 712686 h 718655"/>
+                <a:gd name="connsiteX7" fmla="*/ 0 w 540000"/>
+                <a:gd name="connsiteY7" fmla="*/ 360000 h 718655"/>
+                <a:gd name="connsiteX8" fmla="*/ 360000 w 540000"/>
+                <a:gd name="connsiteY8" fmla="*/ 0 h 718655"/>
+                <a:gd name="connsiteX9" fmla="*/ 540000 w 540000"/>
+                <a:gd name="connsiteY9" fmla="*/ 180000 h 718655"/>
+              </a:gdLst>
+              <a:ahLst/>
+              <a:cxnLst>
+                <a:cxn ang="0">
+                  <a:pos x="connsiteX0" y="connsiteY0"/>
+                </a:cxn>
+                <a:cxn ang="0">
+                  <a:pos x="connsiteX1" y="connsiteY1"/>
+                </a:cxn>
+                <a:cxn ang="0">
+                  <a:pos x="connsiteX2" y="connsiteY2"/>
+                </a:cxn>
+                <a:cxn ang="0">
+                  <a:pos x="connsiteX3" y="connsiteY3"/>
+                </a:cxn>
+                <a:cxn ang="0">
+                  <a:pos x="connsiteX4" y="connsiteY4"/>
+                </a:cxn>
+                <a:cxn ang="0">
+                  <a:pos x="connsiteX5" y="connsiteY5"/>
+                </a:cxn>
+                <a:cxn ang="0">
+                  <a:pos x="connsiteX6" y="connsiteY6"/>
+                </a:cxn>
+                <a:cxn ang="0">
+                  <a:pos x="connsiteX7" y="connsiteY7"/>
+                </a:cxn>
+                <a:cxn ang="0">
+                  <a:pos x="connsiteX8" y="connsiteY8"/>
+                </a:cxn>
+                <a:cxn ang="0">
+                  <a:pos x="connsiteX9" y="connsiteY9"/>
+                </a:cxn>
+              </a:cxnLst>
+              <a:rect l="l" t="t" r="r" b="b"/>
+              <a:pathLst>
+                <a:path w="540000" h="718655">
+                  <a:moveTo>
+                    <a:pt x="540000" y="180000"/>
+                  </a:moveTo>
+                  <a:cubicBezTo>
+                    <a:pt x="540000" y="279411"/>
+                    <a:pt x="459411" y="360000"/>
+                    <a:pt x="360000" y="360000"/>
+                  </a:cubicBezTo>
+                  <a:cubicBezTo>
+                    <a:pt x="260589" y="360000"/>
+                    <a:pt x="180000" y="440589"/>
+                    <a:pt x="180000" y="540000"/>
+                  </a:cubicBezTo>
+                  <a:cubicBezTo>
+                    <a:pt x="180000" y="614558"/>
+                    <a:pt x="225332" y="678529"/>
+                    <a:pt x="289936" y="705855"/>
+                  </a:cubicBezTo>
+                  <a:lnTo>
+                    <a:pt x="346658" y="717306"/>
+                  </a:lnTo>
+                  <a:lnTo>
+                    <a:pt x="346658" y="718655"/>
+                  </a:lnTo>
+                  <a:lnTo>
+                    <a:pt x="287448" y="712686"/>
+                  </a:lnTo>
+                  <a:cubicBezTo>
+                    <a:pt x="123401" y="679118"/>
+                    <a:pt x="0" y="533970"/>
+                    <a:pt x="0" y="360000"/>
+                  </a:cubicBezTo>
+                  <a:cubicBezTo>
+                    <a:pt x="0" y="161177"/>
+                    <a:pt x="161177" y="0"/>
+                    <a:pt x="360000" y="0"/>
+                  </a:cubicBezTo>
+                  <a:cubicBezTo>
+                    <a:pt x="459411" y="0"/>
+                    <a:pt x="540000" y="80589"/>
+                    <a:pt x="540000" y="180000"/>
+                  </a:cubicBezTo>
+                  <a:close/>
+                </a:path>
+              </a:pathLst>
+            </a:custGeom>
+            <a:solidFill>
+              <a:schemeClr val="bg1"/>
+            </a:solidFill>
+            <a:ln w="38100">
+              <a:solidFill>
+                <a:schemeClr val="tx1"/>
+              </a:solidFill>
+            </a:ln>
+          </p:spPr>
+          <p:style>
+            <a:lnRef idx="2">
+              <a:schemeClr val="accent1">
+                <a:shade val="50000"/>
+              </a:schemeClr>
+            </a:lnRef>
+            <a:fillRef idx="1">
+              <a:schemeClr val="accent1"/>
+            </a:fillRef>
+            <a:effectRef idx="0">
+              <a:schemeClr val="accent1"/>
+            </a:effectRef>
+            <a:fontRef idx="minor">
+              <a:schemeClr val="lt1"/>
+            </a:fontRef>
+          </p:style>
+          <p:txBody>
+            <a:bodyPr rtlCol="0" anchor="ctr"/>
+            <a:lstStyle/>
+            <a:p>
+              <a:pPr algn="ctr"/>
+              <a:endParaRPr lang="zh-CN" altLang="en-US"/>
+            </a:p>
+          </p:txBody>
+        </p:sp>
+        <p:sp>
+          <p:nvSpPr>
+            <p:cNvPr id="45" name="任意多边形: 形状 44">
+              <a:extLst>
+                <a:ext uri="{FF2B5EF4-FFF2-40B4-BE49-F238E27FC236}">
+                  <a16:creationId xmlns:a16="http://schemas.microsoft.com/office/drawing/2014/main" id="{BD7EC8FC-CFD0-4DCA-832A-B2495157690C}"/>
+                </a:ext>
+              </a:extLst>
+            </p:cNvPr>
+            <p:cNvSpPr>
+              <a:spLocks noChangeAspect="1"/>
+            </p:cNvSpPr>
+            <p:nvPr/>
+          </p:nvSpPr>
+          <p:spPr>
+            <a:xfrm rot="5400000">
+              <a:off x="3665328" y="3924673"/>
+              <a:ext cx="540000" cy="718655"/>
+            </a:xfrm>
+            <a:custGeom>
+              <a:avLst/>
+              <a:gdLst>
+                <a:gd name="connsiteX0" fmla="*/ 540000 w 540000"/>
+                <a:gd name="connsiteY0" fmla="*/ 180000 h 718655"/>
+                <a:gd name="connsiteX1" fmla="*/ 360000 w 540000"/>
+                <a:gd name="connsiteY1" fmla="*/ 360000 h 718655"/>
+                <a:gd name="connsiteX2" fmla="*/ 180000 w 540000"/>
+                <a:gd name="connsiteY2" fmla="*/ 540000 h 718655"/>
+                <a:gd name="connsiteX3" fmla="*/ 289936 w 540000"/>
+                <a:gd name="connsiteY3" fmla="*/ 705855 h 718655"/>
+                <a:gd name="connsiteX4" fmla="*/ 346658 w 540000"/>
+                <a:gd name="connsiteY4" fmla="*/ 717306 h 718655"/>
+                <a:gd name="connsiteX5" fmla="*/ 346658 w 540000"/>
+                <a:gd name="connsiteY5" fmla="*/ 718655 h 718655"/>
+                <a:gd name="connsiteX6" fmla="*/ 287448 w 540000"/>
+                <a:gd name="connsiteY6" fmla="*/ 712686 h 718655"/>
+                <a:gd name="connsiteX7" fmla="*/ 0 w 540000"/>
+                <a:gd name="connsiteY7" fmla="*/ 360000 h 718655"/>
+                <a:gd name="connsiteX8" fmla="*/ 360000 w 540000"/>
+                <a:gd name="connsiteY8" fmla="*/ 0 h 718655"/>
+                <a:gd name="connsiteX9" fmla="*/ 540000 w 540000"/>
+                <a:gd name="connsiteY9" fmla="*/ 180000 h 718655"/>
+              </a:gdLst>
+              <a:ahLst/>
+              <a:cxnLst>
+                <a:cxn ang="0">
+                  <a:pos x="connsiteX0" y="connsiteY0"/>
+                </a:cxn>
+                <a:cxn ang="0">
+                  <a:pos x="connsiteX1" y="connsiteY1"/>
+                </a:cxn>
+                <a:cxn ang="0">
+                  <a:pos x="connsiteX2" y="connsiteY2"/>
+                </a:cxn>
+                <a:cxn ang="0">
+                  <a:pos x="connsiteX3" y="connsiteY3"/>
+                </a:cxn>
+                <a:cxn ang="0">
+                  <a:pos x="connsiteX4" y="connsiteY4"/>
+                </a:cxn>
+                <a:cxn ang="0">
+                  <a:pos x="connsiteX5" y="connsiteY5"/>
+                </a:cxn>
+                <a:cxn ang="0">
+                  <a:pos x="connsiteX6" y="connsiteY6"/>
+                </a:cxn>
+                <a:cxn ang="0">
+                  <a:pos x="connsiteX7" y="connsiteY7"/>
+                </a:cxn>
+                <a:cxn ang="0">
+                  <a:pos x="connsiteX8" y="connsiteY8"/>
+                </a:cxn>
+                <a:cxn ang="0">
+                  <a:pos x="connsiteX9" y="connsiteY9"/>
+                </a:cxn>
+              </a:cxnLst>
+              <a:rect l="l" t="t" r="r" b="b"/>
+              <a:pathLst>
+                <a:path w="540000" h="718655">
+                  <a:moveTo>
+                    <a:pt x="540000" y="180000"/>
+                  </a:moveTo>
+                  <a:cubicBezTo>
+                    <a:pt x="540000" y="279411"/>
+                    <a:pt x="459411" y="360000"/>
+                    <a:pt x="360000" y="360000"/>
+                  </a:cubicBezTo>
+                  <a:cubicBezTo>
+                    <a:pt x="260589" y="360000"/>
+                    <a:pt x="180000" y="440589"/>
+                    <a:pt x="180000" y="540000"/>
+                  </a:cubicBezTo>
+                  <a:cubicBezTo>
+                    <a:pt x="180000" y="614558"/>
+                    <a:pt x="225332" y="678529"/>
+                    <a:pt x="289936" y="705855"/>
+                  </a:cubicBezTo>
+                  <a:lnTo>
+                    <a:pt x="346658" y="717306"/>
+                  </a:lnTo>
+                  <a:lnTo>
+                    <a:pt x="346658" y="718655"/>
+                  </a:lnTo>
+                  <a:lnTo>
+                    <a:pt x="287448" y="712686"/>
+                  </a:lnTo>
+                  <a:cubicBezTo>
+                    <a:pt x="123401" y="679118"/>
+                    <a:pt x="0" y="533970"/>
+                    <a:pt x="0" y="360000"/>
+                  </a:cubicBezTo>
+                  <a:cubicBezTo>
+                    <a:pt x="0" y="161177"/>
+                    <a:pt x="161177" y="0"/>
+                    <a:pt x="360000" y="0"/>
+                  </a:cubicBezTo>
+                  <a:cubicBezTo>
+                    <a:pt x="459411" y="0"/>
+                    <a:pt x="540000" y="80589"/>
+                    <a:pt x="540000" y="180000"/>
+                  </a:cubicBezTo>
+                  <a:close/>
+                </a:path>
+              </a:pathLst>
+            </a:custGeom>
+            <a:solidFill>
+              <a:schemeClr val="bg1"/>
+            </a:solidFill>
+            <a:ln w="38100">
+              <a:solidFill>
+                <a:schemeClr val="tx1"/>
+              </a:solidFill>
+            </a:ln>
+          </p:spPr>
+          <p:style>
+            <a:lnRef idx="2">
+              <a:schemeClr val="accent1">
+                <a:shade val="50000"/>
+              </a:schemeClr>
+            </a:lnRef>
+            <a:fillRef idx="1">
+              <a:schemeClr val="accent1"/>
+            </a:fillRef>
+            <a:effectRef idx="0">
+              <a:schemeClr val="accent1"/>
+            </a:effectRef>
+            <a:fontRef idx="minor">
+              <a:schemeClr val="lt1"/>
+            </a:fontRef>
+          </p:style>
+          <p:txBody>
+            <a:bodyPr rtlCol="0" anchor="ctr"/>
+            <a:lstStyle/>
+            <a:p>
+              <a:pPr algn="ctr"/>
+              <a:endParaRPr lang="zh-CN" altLang="en-US"/>
+            </a:p>
+          </p:txBody>
+        </p:sp>
+      </p:grpSp>
+      <p:sp>
+        <p:nvSpPr>
+          <p:cNvPr id="47" name="椭圆 46">
+            <a:extLst>
+              <a:ext uri="{FF2B5EF4-FFF2-40B4-BE49-F238E27FC236}">
+                <a16:creationId xmlns:a16="http://schemas.microsoft.com/office/drawing/2014/main" id="{A75E619F-E1C8-4732-872D-9685E4F3FDD0}"/>
+              </a:ext>
+            </a:extLst>
+          </p:cNvPr>
+          <p:cNvSpPr/>
+          <p:nvPr/>
+        </p:nvSpPr>
+        <p:spPr>
+          <a:xfrm>
+            <a:off x="5601000" y="5688842"/>
+            <a:ext cx="270000" cy="270000"/>
+          </a:xfrm>
+          <a:prstGeom prst="ellipse">
+            <a:avLst/>
+          </a:prstGeom>
+          <a:noFill/>
+          <a:ln w="25400">
+            <a:solidFill>
+              <a:schemeClr val="tx1"/>
+            </a:solidFill>
+          </a:ln>
+        </p:spPr>
+        <p:style>
+          <a:lnRef idx="2">
+            <a:schemeClr val="accent1">
+              <a:shade val="50000"/>
+            </a:schemeClr>
+          </a:lnRef>
+          <a:fillRef idx="1">
+            <a:schemeClr val="accent1"/>
+          </a:fillRef>
+          <a:effectRef idx="0">
+            <a:schemeClr val="accent1"/>
+          </a:effectRef>
+          <a:fontRef idx="minor">
+            <a:schemeClr val="lt1"/>
+          </a:fontRef>
+        </p:style>
+        <p:txBody>
+          <a:bodyPr rtlCol="0" anchor="ctr"/>
+          <a:lstStyle/>
+          <a:p>
+            <a:pPr algn="ctr"/>
+            <a:r>
+              <a:rPr lang="en-US" altLang="zh-CN" b="1">
+                <a:solidFill>
+                  <a:schemeClr val="tx1"/>
+                </a:solidFill>
+                <a:latin typeface="DejaVu Sans Mono" panose="020B0609030804020204" pitchFamily="49" charset="0"/>
+                <a:ea typeface="DejaVu Sans Mono" panose="020B0609030804020204" pitchFamily="49" charset="0"/>
+                <a:cs typeface="DejaVu Sans Mono" panose="020B0609030804020204" pitchFamily="49" charset="0"/>
+              </a:rPr>
+              <a:t>+</a:t>
+            </a:r>
+            <a:endParaRPr lang="zh-CN" altLang="en-US" b="1">
+              <a:solidFill>
+                <a:schemeClr val="tx1"/>
+              </a:solidFill>
+              <a:latin typeface="DejaVu Sans Mono" panose="020B0609030804020204" pitchFamily="49" charset="0"/>
+              <a:cs typeface="DejaVu Sans Mono" panose="020B0609030804020204" pitchFamily="49" charset="0"/>
+            </a:endParaRPr>
+          </a:p>
+        </p:txBody>
+      </p:sp>
+      <p:cxnSp>
+        <p:nvCxnSpPr>
+          <p:cNvPr id="49" name="直接箭头连接符 48">
+            <a:extLst>
+              <a:ext uri="{FF2B5EF4-FFF2-40B4-BE49-F238E27FC236}">
+                <a16:creationId xmlns:a16="http://schemas.microsoft.com/office/drawing/2014/main" id="{C85E643E-07E3-4D87-9F0F-075554C585A8}"/>
+              </a:ext>
+            </a:extLst>
+          </p:cNvPr>
+          <p:cNvCxnSpPr>
+            <a:cxnSpLocks/>
+            <a:endCxn id="5" idx="2"/>
+          </p:cNvCxnSpPr>
+          <p:nvPr/>
+        </p:nvCxnSpPr>
+        <p:spPr>
+          <a:xfrm flipV="1">
+            <a:off x="5735401" y="6754488"/>
+            <a:ext cx="599" cy="240816"/>
+          </a:xfrm>
+          <a:prstGeom prst="straightConnector1">
+            <a:avLst/>
+          </a:prstGeom>
+          <a:ln w="38100">
+            <a:solidFill>
+              <a:schemeClr val="tx1"/>
+            </a:solidFill>
+            <a:tailEnd type="triangle"/>
+          </a:ln>
+        </p:spPr>
+        <p:style>
+          <a:lnRef idx="1">
+            <a:schemeClr val="accent1"/>
+          </a:lnRef>
+          <a:fillRef idx="0">
+            <a:schemeClr val="accent1"/>
+          </a:fillRef>
+          <a:effectRef idx="0">
+            <a:schemeClr val="accent1"/>
+          </a:effectRef>
+          <a:fontRef idx="minor">
+            <a:schemeClr val="tx1"/>
+          </a:fontRef>
+        </p:style>
+      </p:cxnSp>
+      <p:cxnSp>
+        <p:nvCxnSpPr>
+          <p:cNvPr id="50" name="直接箭头连接符 49">
+            <a:extLst>
+              <a:ext uri="{FF2B5EF4-FFF2-40B4-BE49-F238E27FC236}">
+                <a16:creationId xmlns:a16="http://schemas.microsoft.com/office/drawing/2014/main" id="{A33B8928-BC8A-4B19-9761-CB4147DE6445}"/>
+              </a:ext>
+            </a:extLst>
+          </p:cNvPr>
+          <p:cNvCxnSpPr>
+            <a:cxnSpLocks/>
+            <a:stCxn id="5" idx="0"/>
+            <a:endCxn id="47" idx="4"/>
+          </p:cNvCxnSpPr>
+          <p:nvPr/>
+        </p:nvCxnSpPr>
+        <p:spPr>
+          <a:xfrm flipV="1">
+            <a:off x="5736000" y="5958842"/>
+            <a:ext cx="0" cy="226028"/>
+          </a:xfrm>
+          <a:prstGeom prst="straightConnector1">
+            <a:avLst/>
+          </a:prstGeom>
+          <a:ln w="38100">
+            <a:solidFill>
+              <a:schemeClr val="tx1"/>
+            </a:solidFill>
+            <a:tailEnd type="triangle"/>
+          </a:ln>
+        </p:spPr>
+        <p:style>
+          <a:lnRef idx="1">
+            <a:schemeClr val="accent1"/>
+          </a:lnRef>
+          <a:fillRef idx="0">
+            <a:schemeClr val="accent1"/>
+          </a:fillRef>
+          <a:effectRef idx="0">
+            <a:schemeClr val="accent1"/>
+          </a:effectRef>
+          <a:fontRef idx="minor">
+            <a:schemeClr val="tx1"/>
+          </a:fontRef>
+        </p:style>
+      </p:cxnSp>
+      <p:cxnSp>
+        <p:nvCxnSpPr>
+          <p:cNvPr id="53" name="直接箭头连接符 52">
+            <a:extLst>
+              <a:ext uri="{FF2B5EF4-FFF2-40B4-BE49-F238E27FC236}">
+                <a16:creationId xmlns:a16="http://schemas.microsoft.com/office/drawing/2014/main" id="{CD8F1F34-BE64-404C-80D8-6343F45BB5BE}"/>
+              </a:ext>
+            </a:extLst>
+          </p:cNvPr>
+          <p:cNvCxnSpPr>
+            <a:cxnSpLocks/>
+            <a:stCxn id="47" idx="0"/>
+            <a:endCxn id="6" idx="2"/>
+          </p:cNvCxnSpPr>
+          <p:nvPr/>
+        </p:nvCxnSpPr>
+        <p:spPr>
+          <a:xfrm flipV="1">
+            <a:off x="5736000" y="4831550"/>
+            <a:ext cx="0" cy="857292"/>
+          </a:xfrm>
+          <a:prstGeom prst="straightConnector1">
+            <a:avLst/>
+          </a:prstGeom>
+          <a:ln w="38100">
+            <a:solidFill>
+              <a:schemeClr val="tx1"/>
+            </a:solidFill>
+            <a:tailEnd type="triangle"/>
+          </a:ln>
+        </p:spPr>
+        <p:style>
+          <a:lnRef idx="1">
+            <a:schemeClr val="accent1"/>
+          </a:lnRef>
+          <a:fillRef idx="0">
+            <a:schemeClr val="accent1"/>
+          </a:fillRef>
+          <a:effectRef idx="0">
+            <a:schemeClr val="accent1"/>
+          </a:effectRef>
+          <a:fontRef idx="minor">
+            <a:schemeClr val="tx1"/>
+          </a:fontRef>
+        </p:style>
+      </p:cxnSp>
+      <p:cxnSp>
+        <p:nvCxnSpPr>
+          <p:cNvPr id="56" name="直接箭头连接符 55">
+            <a:extLst>
+              <a:ext uri="{FF2B5EF4-FFF2-40B4-BE49-F238E27FC236}">
+                <a16:creationId xmlns:a16="http://schemas.microsoft.com/office/drawing/2014/main" id="{B8FA524B-5D23-49DD-B532-FB2DF5E78191}"/>
+              </a:ext>
+            </a:extLst>
+          </p:cNvPr>
+          <p:cNvCxnSpPr>
+            <a:cxnSpLocks/>
+            <a:endCxn id="47" idx="2"/>
+          </p:cNvCxnSpPr>
+          <p:nvPr/>
+        </p:nvCxnSpPr>
+        <p:spPr>
+          <a:xfrm>
+            <a:off x="5119800" y="5823842"/>
+            <a:ext cx="481200" cy="0"/>
+          </a:xfrm>
+          <a:prstGeom prst="straightConnector1">
+            <a:avLst/>
+          </a:prstGeom>
+          <a:ln w="38100">
+            <a:solidFill>
+              <a:schemeClr val="tx1"/>
+            </a:solidFill>
+            <a:tailEnd type="none"/>
+          </a:ln>
+        </p:spPr>
+        <p:style>
+          <a:lnRef idx="1">
+            <a:schemeClr val="accent1"/>
+          </a:lnRef>
+          <a:fillRef idx="0">
+            <a:schemeClr val="accent1"/>
+          </a:fillRef>
+          <a:effectRef idx="0">
+            <a:schemeClr val="accent1"/>
+          </a:effectRef>
+          <a:fontRef idx="minor">
+            <a:schemeClr val="tx1"/>
+          </a:fontRef>
+        </p:style>
+      </p:cxnSp>
+      <p:cxnSp>
+        <p:nvCxnSpPr>
+          <p:cNvPr id="59" name="直接箭头连接符 58">
+            <a:extLst>
+              <a:ext uri="{FF2B5EF4-FFF2-40B4-BE49-F238E27FC236}">
+                <a16:creationId xmlns:a16="http://schemas.microsoft.com/office/drawing/2014/main" id="{5182CF47-E4DD-42CD-B9CD-FFCBA00EE569}"/>
+              </a:ext>
+            </a:extLst>
+          </p:cNvPr>
+          <p:cNvCxnSpPr>
+            <a:cxnSpLocks/>
+            <a:stCxn id="7" idx="0"/>
+            <a:endCxn id="8" idx="2"/>
+          </p:cNvCxnSpPr>
+          <p:nvPr/>
+        </p:nvCxnSpPr>
+        <p:spPr>
+          <a:xfrm flipV="1">
+            <a:off x="5736000" y="3326410"/>
+            <a:ext cx="600" cy="465769"/>
+          </a:xfrm>
+          <a:prstGeom prst="straightConnector1">
+            <a:avLst/>
+          </a:prstGeom>
+          <a:ln w="38100">
+            <a:solidFill>
+              <a:schemeClr val="tx1"/>
+            </a:solidFill>
+            <a:tailEnd type="triangle"/>
+          </a:ln>
+        </p:spPr>
+        <p:style>
+          <a:lnRef idx="1">
+            <a:schemeClr val="accent1"/>
+          </a:lnRef>
+          <a:fillRef idx="0">
+            <a:schemeClr val="accent1"/>
+          </a:fillRef>
+          <a:effectRef idx="0">
+            <a:schemeClr val="accent1"/>
+          </a:effectRef>
+          <a:fontRef idx="minor">
+            <a:schemeClr val="tx1"/>
+          </a:fontRef>
+        </p:style>
+      </p:cxnSp>
+      <p:cxnSp>
+        <p:nvCxnSpPr>
+          <p:cNvPr id="62" name="直接箭头连接符 61">
+            <a:extLst>
+              <a:ext uri="{FF2B5EF4-FFF2-40B4-BE49-F238E27FC236}">
+                <a16:creationId xmlns:a16="http://schemas.microsoft.com/office/drawing/2014/main" id="{5F98FA05-629E-41BF-AD70-041C2932D62F}"/>
+              </a:ext>
+            </a:extLst>
+          </p:cNvPr>
+          <p:cNvCxnSpPr>
+            <a:cxnSpLocks/>
+            <a:stCxn id="6" idx="0"/>
+            <a:endCxn id="7" idx="2"/>
+          </p:cNvCxnSpPr>
+          <p:nvPr/>
+        </p:nvCxnSpPr>
+        <p:spPr>
+          <a:xfrm flipV="1">
+            <a:off x="5736000" y="4091797"/>
+            <a:ext cx="0" cy="170135"/>
+          </a:xfrm>
+          <a:prstGeom prst="straightConnector1">
+            <a:avLst/>
+          </a:prstGeom>
+          <a:ln w="38100">
+            <a:solidFill>
+              <a:schemeClr val="tx1"/>
+            </a:solidFill>
+            <a:tailEnd type="none"/>
+          </a:ln>
+        </p:spPr>
+        <p:style>
+          <a:lnRef idx="1">
+            <a:schemeClr val="accent1"/>
+          </a:lnRef>
+          <a:fillRef idx="0">
+            <a:schemeClr val="accent1"/>
+          </a:fillRef>
+          <a:effectRef idx="0">
+            <a:schemeClr val="accent1"/>
+          </a:effectRef>
+          <a:fontRef idx="minor">
+            <a:schemeClr val="tx1"/>
+          </a:fontRef>
+        </p:style>
+      </p:cxnSp>
+      <p:cxnSp>
+        <p:nvCxnSpPr>
+          <p:cNvPr id="65" name="直接箭头连接符 64">
+            <a:extLst>
+              <a:ext uri="{FF2B5EF4-FFF2-40B4-BE49-F238E27FC236}">
+                <a16:creationId xmlns:a16="http://schemas.microsoft.com/office/drawing/2014/main" id="{794E32E5-C47B-48E8-9114-51FA8E962F86}"/>
+              </a:ext>
+            </a:extLst>
+          </p:cNvPr>
+          <p:cNvCxnSpPr>
+            <a:cxnSpLocks/>
+            <a:stCxn id="8" idx="0"/>
+            <a:endCxn id="9" idx="2"/>
+          </p:cNvCxnSpPr>
+          <p:nvPr/>
+        </p:nvCxnSpPr>
+        <p:spPr>
+          <a:xfrm flipH="1" flipV="1">
+            <a:off x="5736000" y="2596369"/>
+            <a:ext cx="600" cy="160423"/>
+          </a:xfrm>
+          <a:prstGeom prst="straightConnector1">
+            <a:avLst/>
+          </a:prstGeom>
+          <a:ln w="38100">
+            <a:solidFill>
+              <a:schemeClr val="tx1"/>
+            </a:solidFill>
+            <a:tailEnd type="none"/>
+          </a:ln>
+        </p:spPr>
+        <p:style>
+          <a:lnRef idx="1">
+            <a:schemeClr val="accent1"/>
+          </a:lnRef>
+          <a:fillRef idx="0">
+            <a:schemeClr val="accent1"/>
+          </a:fillRef>
+          <a:effectRef idx="0">
+            <a:schemeClr val="accent1"/>
+          </a:effectRef>
+          <a:fontRef idx="minor">
+            <a:schemeClr val="tx1"/>
+          </a:fontRef>
+        </p:style>
+      </p:cxnSp>
+      <p:sp>
+        <p:nvSpPr>
+          <p:cNvPr id="80" name="矩形: 圆角 79">
+            <a:extLst>
+              <a:ext uri="{FF2B5EF4-FFF2-40B4-BE49-F238E27FC236}">
+                <a16:creationId xmlns:a16="http://schemas.microsoft.com/office/drawing/2014/main" id="{415F6B40-13C1-4505-A869-0CE3AB968781}"/>
+              </a:ext>
+            </a:extLst>
+          </p:cNvPr>
+          <p:cNvSpPr/>
+          <p:nvPr/>
+        </p:nvSpPr>
+        <p:spPr>
+          <a:xfrm>
+            <a:off x="4654195" y="3938052"/>
+            <a:ext cx="1068726" cy="1316073"/>
+          </a:xfrm>
+          <a:custGeom>
+            <a:avLst/>
+            <a:gdLst>
+              <a:gd name="connsiteX0" fmla="*/ 0 w 2430000"/>
+              <a:gd name="connsiteY0" fmla="*/ 216941 h 1301622"/>
+              <a:gd name="connsiteX1" fmla="*/ 216941 w 2430000"/>
+              <a:gd name="connsiteY1" fmla="*/ 0 h 1301622"/>
+              <a:gd name="connsiteX2" fmla="*/ 2213059 w 2430000"/>
+              <a:gd name="connsiteY2" fmla="*/ 0 h 1301622"/>
+              <a:gd name="connsiteX3" fmla="*/ 2430000 w 2430000"/>
+              <a:gd name="connsiteY3" fmla="*/ 216941 h 1301622"/>
+              <a:gd name="connsiteX4" fmla="*/ 2430000 w 2430000"/>
+              <a:gd name="connsiteY4" fmla="*/ 1084681 h 1301622"/>
+              <a:gd name="connsiteX5" fmla="*/ 2213059 w 2430000"/>
+              <a:gd name="connsiteY5" fmla="*/ 1301622 h 1301622"/>
+              <a:gd name="connsiteX6" fmla="*/ 216941 w 2430000"/>
+              <a:gd name="connsiteY6" fmla="*/ 1301622 h 1301622"/>
+              <a:gd name="connsiteX7" fmla="*/ 0 w 2430000"/>
+              <a:gd name="connsiteY7" fmla="*/ 1084681 h 1301622"/>
+              <a:gd name="connsiteX8" fmla="*/ 0 w 2430000"/>
+              <a:gd name="connsiteY8" fmla="*/ 216941 h 1301622"/>
+              <a:gd name="connsiteX0" fmla="*/ 2213059 w 2430000"/>
+              <a:gd name="connsiteY0" fmla="*/ 1301622 h 1393062"/>
+              <a:gd name="connsiteX1" fmla="*/ 216941 w 2430000"/>
+              <a:gd name="connsiteY1" fmla="*/ 1301622 h 1393062"/>
+              <a:gd name="connsiteX2" fmla="*/ 0 w 2430000"/>
+              <a:gd name="connsiteY2" fmla="*/ 1084681 h 1393062"/>
+              <a:gd name="connsiteX3" fmla="*/ 0 w 2430000"/>
+              <a:gd name="connsiteY3" fmla="*/ 216941 h 1393062"/>
+              <a:gd name="connsiteX4" fmla="*/ 216941 w 2430000"/>
+              <a:gd name="connsiteY4" fmla="*/ 0 h 1393062"/>
+              <a:gd name="connsiteX5" fmla="*/ 2213059 w 2430000"/>
+              <a:gd name="connsiteY5" fmla="*/ 0 h 1393062"/>
+              <a:gd name="connsiteX6" fmla="*/ 2430000 w 2430000"/>
+              <a:gd name="connsiteY6" fmla="*/ 216941 h 1393062"/>
+              <a:gd name="connsiteX7" fmla="*/ 2430000 w 2430000"/>
+              <a:gd name="connsiteY7" fmla="*/ 1084681 h 1393062"/>
+              <a:gd name="connsiteX8" fmla="*/ 2304499 w 2430000"/>
+              <a:gd name="connsiteY8" fmla="*/ 1393062 h 1393062"/>
+              <a:gd name="connsiteX0" fmla="*/ 2213059 w 2430000"/>
+              <a:gd name="connsiteY0" fmla="*/ 1301622 h 1393062"/>
+              <a:gd name="connsiteX1" fmla="*/ 216941 w 2430000"/>
+              <a:gd name="connsiteY1" fmla="*/ 1301622 h 1393062"/>
+              <a:gd name="connsiteX2" fmla="*/ 0 w 2430000"/>
+              <a:gd name="connsiteY2" fmla="*/ 1084681 h 1393062"/>
+              <a:gd name="connsiteX3" fmla="*/ 0 w 2430000"/>
+              <a:gd name="connsiteY3" fmla="*/ 216941 h 1393062"/>
+              <a:gd name="connsiteX4" fmla="*/ 216941 w 2430000"/>
+              <a:gd name="connsiteY4" fmla="*/ 0 h 1393062"/>
+              <a:gd name="connsiteX5" fmla="*/ 2213059 w 2430000"/>
+              <a:gd name="connsiteY5" fmla="*/ 0 h 1393062"/>
+              <a:gd name="connsiteX6" fmla="*/ 2430000 w 2430000"/>
+              <a:gd name="connsiteY6" fmla="*/ 216941 h 1393062"/>
+              <a:gd name="connsiteX7" fmla="*/ 2304499 w 2430000"/>
+              <a:gd name="connsiteY7" fmla="*/ 1393062 h 1393062"/>
+              <a:gd name="connsiteX0" fmla="*/ 2213059 w 2390108"/>
+              <a:gd name="connsiteY0" fmla="*/ 1301622 h 1393062"/>
+              <a:gd name="connsiteX1" fmla="*/ 216941 w 2390108"/>
+              <a:gd name="connsiteY1" fmla="*/ 1301622 h 1393062"/>
+              <a:gd name="connsiteX2" fmla="*/ 0 w 2390108"/>
+              <a:gd name="connsiteY2" fmla="*/ 1084681 h 1393062"/>
+              <a:gd name="connsiteX3" fmla="*/ 0 w 2390108"/>
+              <a:gd name="connsiteY3" fmla="*/ 216941 h 1393062"/>
+              <a:gd name="connsiteX4" fmla="*/ 216941 w 2390108"/>
+              <a:gd name="connsiteY4" fmla="*/ 0 h 1393062"/>
+              <a:gd name="connsiteX5" fmla="*/ 2213059 w 2390108"/>
+              <a:gd name="connsiteY5" fmla="*/ 0 h 1393062"/>
+              <a:gd name="connsiteX6" fmla="*/ 2304499 w 2390108"/>
+              <a:gd name="connsiteY6" fmla="*/ 1393062 h 1393062"/>
+              <a:gd name="connsiteX0" fmla="*/ 2213059 w 2213059"/>
+              <a:gd name="connsiteY0" fmla="*/ 1301622 h 1301622"/>
+              <a:gd name="connsiteX1" fmla="*/ 216941 w 2213059"/>
+              <a:gd name="connsiteY1" fmla="*/ 1301622 h 1301622"/>
+              <a:gd name="connsiteX2" fmla="*/ 0 w 2213059"/>
+              <a:gd name="connsiteY2" fmla="*/ 1084681 h 1301622"/>
+              <a:gd name="connsiteX3" fmla="*/ 0 w 2213059"/>
+              <a:gd name="connsiteY3" fmla="*/ 216941 h 1301622"/>
+              <a:gd name="connsiteX4" fmla="*/ 216941 w 2213059"/>
+              <a:gd name="connsiteY4" fmla="*/ 0 h 1301622"/>
+              <a:gd name="connsiteX5" fmla="*/ 2213059 w 2213059"/>
+              <a:gd name="connsiteY5" fmla="*/ 0 h 1301622"/>
+              <a:gd name="connsiteX0" fmla="*/ 2213059 w 2213059"/>
+              <a:gd name="connsiteY0" fmla="*/ 1301622 h 1301622"/>
+              <a:gd name="connsiteX1" fmla="*/ 216941 w 2213059"/>
+              <a:gd name="connsiteY1" fmla="*/ 1301622 h 1301622"/>
+              <a:gd name="connsiteX2" fmla="*/ 0 w 2213059"/>
+              <a:gd name="connsiteY2" fmla="*/ 1084681 h 1301622"/>
+              <a:gd name="connsiteX3" fmla="*/ 0 w 2213059"/>
+              <a:gd name="connsiteY3" fmla="*/ 216941 h 1301622"/>
+              <a:gd name="connsiteX4" fmla="*/ 216941 w 2213059"/>
+              <a:gd name="connsiteY4" fmla="*/ 0 h 1301622"/>
+              <a:gd name="connsiteX5" fmla="*/ 1444963 w 2213059"/>
+              <a:gd name="connsiteY5" fmla="*/ 0 h 1301622"/>
+              <a:gd name="connsiteX0" fmla="*/ 2213059 w 2213059"/>
+              <a:gd name="connsiteY0" fmla="*/ 1301622 h 1301622"/>
+              <a:gd name="connsiteX1" fmla="*/ 216941 w 2213059"/>
+              <a:gd name="connsiteY1" fmla="*/ 1301622 h 1301622"/>
+              <a:gd name="connsiteX2" fmla="*/ 0 w 2213059"/>
+              <a:gd name="connsiteY2" fmla="*/ 1084681 h 1301622"/>
+              <a:gd name="connsiteX3" fmla="*/ 0 w 2213059"/>
+              <a:gd name="connsiteY3" fmla="*/ 216941 h 1301622"/>
+              <a:gd name="connsiteX4" fmla="*/ 216941 w 2213059"/>
+              <a:gd name="connsiteY4" fmla="*/ 0 h 1301622"/>
+              <a:gd name="connsiteX5" fmla="*/ 383243 w 2213059"/>
+              <a:gd name="connsiteY5" fmla="*/ 0 h 1301622"/>
+              <a:gd name="connsiteX0" fmla="*/ 2213059 w 2213059"/>
+              <a:gd name="connsiteY0" fmla="*/ 1301622 h 1301622"/>
+              <a:gd name="connsiteX1" fmla="*/ 216941 w 2213059"/>
+              <a:gd name="connsiteY1" fmla="*/ 1301622 h 1301622"/>
+              <a:gd name="connsiteX2" fmla="*/ 0 w 2213059"/>
+              <a:gd name="connsiteY2" fmla="*/ 1084681 h 1301622"/>
+              <a:gd name="connsiteX3" fmla="*/ 0 w 2213059"/>
+              <a:gd name="connsiteY3" fmla="*/ 216941 h 1301622"/>
+              <a:gd name="connsiteX4" fmla="*/ 216941 w 2213059"/>
+              <a:gd name="connsiteY4" fmla="*/ 0 h 1301622"/>
+              <a:gd name="connsiteX5" fmla="*/ 383243 w 2213059"/>
+              <a:gd name="connsiteY5" fmla="*/ 0 h 1301622"/>
+              <a:gd name="connsiteX0" fmla="*/ 1190231 w 1190231"/>
+              <a:gd name="connsiteY0" fmla="*/ 1301622 h 1301622"/>
+              <a:gd name="connsiteX1" fmla="*/ 216941 w 1190231"/>
+              <a:gd name="connsiteY1" fmla="*/ 1301622 h 1301622"/>
+              <a:gd name="connsiteX2" fmla="*/ 0 w 1190231"/>
+              <a:gd name="connsiteY2" fmla="*/ 1084681 h 1301622"/>
+              <a:gd name="connsiteX3" fmla="*/ 0 w 1190231"/>
+              <a:gd name="connsiteY3" fmla="*/ 216941 h 1301622"/>
+              <a:gd name="connsiteX4" fmla="*/ 216941 w 1190231"/>
+              <a:gd name="connsiteY4" fmla="*/ 0 h 1301622"/>
+              <a:gd name="connsiteX5" fmla="*/ 383243 w 1190231"/>
+              <a:gd name="connsiteY5" fmla="*/ 0 h 1301622"/>
+              <a:gd name="connsiteX0" fmla="*/ 1343497 w 1343497"/>
+              <a:gd name="connsiteY0" fmla="*/ 1296578 h 1301622"/>
+              <a:gd name="connsiteX1" fmla="*/ 216941 w 1343497"/>
+              <a:gd name="connsiteY1" fmla="*/ 1301622 h 1301622"/>
+              <a:gd name="connsiteX2" fmla="*/ 0 w 1343497"/>
+              <a:gd name="connsiteY2" fmla="*/ 1084681 h 1301622"/>
+              <a:gd name="connsiteX3" fmla="*/ 0 w 1343497"/>
+              <a:gd name="connsiteY3" fmla="*/ 216941 h 1301622"/>
+              <a:gd name="connsiteX4" fmla="*/ 216941 w 1343497"/>
+              <a:gd name="connsiteY4" fmla="*/ 0 h 1301622"/>
+              <a:gd name="connsiteX5" fmla="*/ 383243 w 1343497"/>
+              <a:gd name="connsiteY5" fmla="*/ 0 h 1301622"/>
+              <a:gd name="connsiteX0" fmla="*/ 1343497 w 1343497"/>
+              <a:gd name="connsiteY0" fmla="*/ 1296578 h 1301622"/>
+              <a:gd name="connsiteX1" fmla="*/ 216941 w 1343497"/>
+              <a:gd name="connsiteY1" fmla="*/ 1301622 h 1301622"/>
+              <a:gd name="connsiteX2" fmla="*/ 0 w 1343497"/>
+              <a:gd name="connsiteY2" fmla="*/ 1084681 h 1301622"/>
+              <a:gd name="connsiteX3" fmla="*/ 0 w 1343497"/>
+              <a:gd name="connsiteY3" fmla="*/ 216941 h 1301622"/>
+              <a:gd name="connsiteX4" fmla="*/ 216941 w 1343497"/>
+              <a:gd name="connsiteY4" fmla="*/ 0 h 1301622"/>
+              <a:gd name="connsiteX5" fmla="*/ 383243 w 1343497"/>
+              <a:gd name="connsiteY5" fmla="*/ 0 h 1301622"/>
+              <a:gd name="connsiteX0" fmla="*/ 1343497 w 1343497"/>
+              <a:gd name="connsiteY0" fmla="*/ 1301622 h 1301622"/>
+              <a:gd name="connsiteX1" fmla="*/ 216941 w 1343497"/>
+              <a:gd name="connsiteY1" fmla="*/ 1301622 h 1301622"/>
+              <a:gd name="connsiteX2" fmla="*/ 0 w 1343497"/>
+              <a:gd name="connsiteY2" fmla="*/ 1084681 h 1301622"/>
+              <a:gd name="connsiteX3" fmla="*/ 0 w 1343497"/>
+              <a:gd name="connsiteY3" fmla="*/ 216941 h 1301622"/>
+              <a:gd name="connsiteX4" fmla="*/ 216941 w 1343497"/>
+              <a:gd name="connsiteY4" fmla="*/ 0 h 1301622"/>
+              <a:gd name="connsiteX5" fmla="*/ 383243 w 1343497"/>
+              <a:gd name="connsiteY5" fmla="*/ 0 h 1301622"/>
+              <a:gd name="connsiteX0" fmla="*/ 1343497 w 1343497"/>
+              <a:gd name="connsiteY0" fmla="*/ 1306666 h 1306666"/>
+              <a:gd name="connsiteX1" fmla="*/ 216941 w 1343497"/>
+              <a:gd name="connsiteY1" fmla="*/ 1301622 h 1306666"/>
+              <a:gd name="connsiteX2" fmla="*/ 0 w 1343497"/>
+              <a:gd name="connsiteY2" fmla="*/ 1084681 h 1306666"/>
+              <a:gd name="connsiteX3" fmla="*/ 0 w 1343497"/>
+              <a:gd name="connsiteY3" fmla="*/ 216941 h 1306666"/>
+              <a:gd name="connsiteX4" fmla="*/ 216941 w 1343497"/>
+              <a:gd name="connsiteY4" fmla="*/ 0 h 1306666"/>
+              <a:gd name="connsiteX5" fmla="*/ 383243 w 1343497"/>
+              <a:gd name="connsiteY5" fmla="*/ 0 h 1306666"/>
+            </a:gdLst>
+            <a:ahLst/>
+            <a:cxnLst>
+              <a:cxn ang="0">
+                <a:pos x="connsiteX0" y="connsiteY0"/>
+              </a:cxn>
+              <a:cxn ang="0">
+                <a:pos x="connsiteX1" y="connsiteY1"/>
+              </a:cxn>
+              <a:cxn ang="0">
+                <a:pos x="connsiteX2" y="connsiteY2"/>
+              </a:cxn>
+              <a:cxn ang="0">
+                <a:pos x="connsiteX3" y="connsiteY3"/>
+              </a:cxn>
+              <a:cxn ang="0">
+                <a:pos x="connsiteX4" y="connsiteY4"/>
+              </a:cxn>
+              <a:cxn ang="0">
+                <a:pos x="connsiteX5" y="connsiteY5"/>
+              </a:cxn>
+            </a:cxnLst>
+            <a:rect l="l" t="t" r="r" b="b"/>
+            <a:pathLst>
+              <a:path w="1343497" h="1306666">
+                <a:moveTo>
+                  <a:pt x="1343497" y="1306666"/>
+                </a:moveTo>
+                <a:lnTo>
+                  <a:pt x="216941" y="1301622"/>
+                </a:lnTo>
+                <a:cubicBezTo>
+                  <a:pt x="97128" y="1301622"/>
+                  <a:pt x="0" y="1204494"/>
+                  <a:pt x="0" y="1084681"/>
+                </a:cubicBezTo>
+                <a:lnTo>
+                  <a:pt x="0" y="216941"/>
+                </a:lnTo>
+                <a:cubicBezTo>
+                  <a:pt x="0" y="97128"/>
+                  <a:pt x="97128" y="0"/>
+                  <a:pt x="216941" y="0"/>
+                </a:cubicBezTo>
+                <a:lnTo>
+                  <a:pt x="383243" y="0"/>
+                </a:lnTo>
+              </a:path>
+            </a:pathLst>
+          </a:custGeom>
+          <a:noFill/>
+          <a:ln w="38100">
+            <a:solidFill>
+              <a:schemeClr val="tx1"/>
+            </a:solidFill>
+            <a:headEnd type="none"/>
+            <a:tailEnd type="triangle"/>
+          </a:ln>
+        </p:spPr>
+        <p:style>
+          <a:lnRef idx="2">
+            <a:schemeClr val="accent1">
+              <a:shade val="50000"/>
+            </a:schemeClr>
+          </a:lnRef>
+          <a:fillRef idx="1">
+            <a:schemeClr val="accent1"/>
+          </a:fillRef>
+          <a:effectRef idx="0">
+            <a:schemeClr val="accent1"/>
+          </a:effectRef>
+          <a:fontRef idx="minor">
+            <a:schemeClr val="lt1"/>
+          </a:fontRef>
+        </p:style>
+        <p:txBody>
+          <a:bodyPr rtlCol="0" anchor="ctr"/>
+          <a:lstStyle/>
+          <a:p>
+            <a:pPr algn="ctr"/>
+            <a:endParaRPr lang="zh-CN" altLang="en-US" sz="1600">
+              <a:solidFill>
+                <a:schemeClr val="tx1"/>
+              </a:solidFill>
+              <a:latin typeface="微软雅黑" panose="020B0503020204020204" pitchFamily="34" charset="-122"/>
+              <a:ea typeface="微软雅黑" panose="020B0503020204020204" pitchFamily="34" charset="-122"/>
+              <a:cs typeface="Microsoft Sans Serif" panose="020B0604020202020204" pitchFamily="34" charset="0"/>
+            </a:endParaRPr>
+          </a:p>
+        </p:txBody>
+      </p:sp>
+      <p:sp>
+        <p:nvSpPr>
+          <p:cNvPr id="85" name="矩形: 圆角 84">
+            <a:extLst>
+              <a:ext uri="{FF2B5EF4-FFF2-40B4-BE49-F238E27FC236}">
+                <a16:creationId xmlns:a16="http://schemas.microsoft.com/office/drawing/2014/main" id="{B5B08536-0B66-46FF-B2FA-B0EA6B9FEE57}"/>
+              </a:ext>
+            </a:extLst>
+          </p:cNvPr>
+          <p:cNvSpPr/>
+          <p:nvPr/>
+        </p:nvSpPr>
+        <p:spPr>
+          <a:xfrm>
+            <a:off x="5227921" y="6868015"/>
+            <a:ext cx="989999" cy="495000"/>
+          </a:xfrm>
+          <a:prstGeom prst="roundRect">
+            <a:avLst/>
+          </a:prstGeom>
+          <a:noFill/>
+          <a:ln w="38100">
+            <a:noFill/>
+          </a:ln>
+        </p:spPr>
+        <p:style>
+          <a:lnRef idx="2">
+            <a:schemeClr val="accent1">
+              <a:shade val="50000"/>
+            </a:schemeClr>
+          </a:lnRef>
+          <a:fillRef idx="1">
+            <a:schemeClr val="accent1"/>
+          </a:fillRef>
+          <a:effectRef idx="0">
+            <a:schemeClr val="accent1"/>
+          </a:effectRef>
+          <a:fontRef idx="minor">
+            <a:schemeClr val="lt1"/>
+          </a:fontRef>
+        </p:style>
+        <p:txBody>
+          <a:bodyPr rtlCol="0" anchor="ctr"/>
+          <a:lstStyle/>
+          <a:p>
+            <a:pPr algn="ctr"/>
+            <a:r>
+              <a:rPr lang="en-US" altLang="zh-CN" sz="1600">
+                <a:solidFill>
+                  <a:schemeClr val="tx1"/>
+                </a:solidFill>
+                <a:latin typeface="MS Reference Sans Serif" panose="020B0604030504040204" pitchFamily="34" charset="0"/>
+                <a:ea typeface="微软雅黑" panose="020B0503020204020204" pitchFamily="34" charset="-122"/>
+                <a:cs typeface="Calibri" panose="020F0502020204030204" pitchFamily="34" charset="0"/>
+              </a:rPr>
+              <a:t>Inputs</a:t>
+            </a:r>
+            <a:endParaRPr lang="zh-CN" altLang="en-US" sz="1600">
+              <a:solidFill>
+                <a:schemeClr val="tx1"/>
+              </a:solidFill>
+              <a:latin typeface="MS Reference Sans Serif" panose="020B0604030504040204" pitchFamily="34" charset="0"/>
+              <a:ea typeface="微软雅黑" panose="020B0503020204020204" pitchFamily="34" charset="-122"/>
+              <a:cs typeface="Calibri" panose="020F0502020204030204" pitchFamily="34" charset="0"/>
+            </a:endParaRPr>
+          </a:p>
+        </p:txBody>
+      </p:sp>
+      <p:sp>
+        <p:nvSpPr>
+          <p:cNvPr id="86" name="矩形: 圆角 85">
+            <a:extLst>
+              <a:ext uri="{FF2B5EF4-FFF2-40B4-BE49-F238E27FC236}">
+                <a16:creationId xmlns:a16="http://schemas.microsoft.com/office/drawing/2014/main" id="{A2DDBBD2-4DAD-415B-A1DA-151748287011}"/>
+              </a:ext>
+            </a:extLst>
+          </p:cNvPr>
+          <p:cNvSpPr/>
+          <p:nvPr/>
+        </p:nvSpPr>
+        <p:spPr>
+          <a:xfrm>
+            <a:off x="3394200" y="5610072"/>
+            <a:ext cx="1530000" cy="495000"/>
+          </a:xfrm>
+          <a:prstGeom prst="roundRect">
+            <a:avLst/>
+          </a:prstGeom>
+          <a:noFill/>
+          <a:ln w="38100">
+            <a:noFill/>
+          </a:ln>
+        </p:spPr>
+        <p:style>
+          <a:lnRef idx="2">
+            <a:schemeClr val="accent1">
+              <a:shade val="50000"/>
+            </a:schemeClr>
+          </a:lnRef>
+          <a:fillRef idx="1">
+            <a:schemeClr val="accent1"/>
+          </a:fillRef>
+          <a:effectRef idx="0">
+            <a:schemeClr val="accent1"/>
+          </a:effectRef>
+          <a:fontRef idx="minor">
+            <a:schemeClr val="lt1"/>
+          </a:fontRef>
+        </p:style>
+        <p:txBody>
+          <a:bodyPr rtlCol="0" anchor="ctr"/>
+          <a:lstStyle/>
+          <a:p>
+            <a:r>
+              <a:rPr lang="en-US" altLang="zh-CN" sz="1600">
+                <a:solidFill>
+                  <a:schemeClr val="tx1"/>
+                </a:solidFill>
+                <a:latin typeface="MS Reference Sans Serif" panose="020B0604030504040204" pitchFamily="34" charset="0"/>
+                <a:ea typeface="微软雅黑" panose="020B0503020204020204" pitchFamily="34" charset="-122"/>
+                <a:cs typeface="Calibri" panose="020F0502020204030204" pitchFamily="34" charset="0"/>
+              </a:rPr>
+              <a:t>Positional</a:t>
+            </a:r>
+          </a:p>
+          <a:p>
+            <a:r>
+              <a:rPr lang="en-US" altLang="zh-CN" sz="1600">
+                <a:solidFill>
+                  <a:schemeClr val="tx1"/>
+                </a:solidFill>
+                <a:latin typeface="MS Reference Sans Serif" panose="020B0604030504040204" pitchFamily="34" charset="0"/>
+                <a:ea typeface="微软雅黑" panose="020B0503020204020204" pitchFamily="34" charset="-122"/>
+                <a:cs typeface="Calibri" panose="020F0502020204030204" pitchFamily="34" charset="0"/>
+              </a:rPr>
+              <a:t>Encoding</a:t>
+            </a:r>
+            <a:endParaRPr lang="zh-CN" altLang="en-US" sz="1600">
+              <a:solidFill>
+                <a:schemeClr val="tx1"/>
+              </a:solidFill>
+              <a:latin typeface="MS Reference Sans Serif" panose="020B0604030504040204" pitchFamily="34" charset="0"/>
+              <a:ea typeface="微软雅黑" panose="020B0503020204020204" pitchFamily="34" charset="-122"/>
+              <a:cs typeface="Calibri" panose="020F0502020204030204" pitchFamily="34" charset="0"/>
+            </a:endParaRPr>
+          </a:p>
+        </p:txBody>
+      </p:sp>
+      <p:sp>
+        <p:nvSpPr>
+          <p:cNvPr id="87" name="矩形: 圆角 86">
+            <a:extLst>
+              <a:ext uri="{FF2B5EF4-FFF2-40B4-BE49-F238E27FC236}">
+                <a16:creationId xmlns:a16="http://schemas.microsoft.com/office/drawing/2014/main" id="{344DC4FD-8ADB-488F-B183-BCDFE6C70D3C}"/>
+              </a:ext>
+            </a:extLst>
+          </p:cNvPr>
+          <p:cNvSpPr/>
+          <p:nvPr/>
+        </p:nvSpPr>
+        <p:spPr>
+          <a:xfrm>
+            <a:off x="5098743" y="4862757"/>
+            <a:ext cx="1273316" cy="200604"/>
+          </a:xfrm>
+          <a:custGeom>
+            <a:avLst/>
+            <a:gdLst>
+              <a:gd name="connsiteX0" fmla="*/ 0 w 2430000"/>
+              <a:gd name="connsiteY0" fmla="*/ 405008 h 3396270"/>
+              <a:gd name="connsiteX1" fmla="*/ 405008 w 2430000"/>
+              <a:gd name="connsiteY1" fmla="*/ 0 h 3396270"/>
+              <a:gd name="connsiteX2" fmla="*/ 2024992 w 2430000"/>
+              <a:gd name="connsiteY2" fmla="*/ 0 h 3396270"/>
+              <a:gd name="connsiteX3" fmla="*/ 2430000 w 2430000"/>
+              <a:gd name="connsiteY3" fmla="*/ 405008 h 3396270"/>
+              <a:gd name="connsiteX4" fmla="*/ 2430000 w 2430000"/>
+              <a:gd name="connsiteY4" fmla="*/ 2991262 h 3396270"/>
+              <a:gd name="connsiteX5" fmla="*/ 2024992 w 2430000"/>
+              <a:gd name="connsiteY5" fmla="*/ 3396270 h 3396270"/>
+              <a:gd name="connsiteX6" fmla="*/ 405008 w 2430000"/>
+              <a:gd name="connsiteY6" fmla="*/ 3396270 h 3396270"/>
+              <a:gd name="connsiteX7" fmla="*/ 0 w 2430000"/>
+              <a:gd name="connsiteY7" fmla="*/ 2991262 h 3396270"/>
+              <a:gd name="connsiteX8" fmla="*/ 0 w 2430000"/>
+              <a:gd name="connsiteY8" fmla="*/ 405008 h 3396270"/>
+              <a:gd name="connsiteX0" fmla="*/ 0 w 2430000"/>
+              <a:gd name="connsiteY0" fmla="*/ 411971 h 3403233"/>
+              <a:gd name="connsiteX1" fmla="*/ 2024992 w 2430000"/>
+              <a:gd name="connsiteY1" fmla="*/ 6963 h 3403233"/>
+              <a:gd name="connsiteX2" fmla="*/ 2430000 w 2430000"/>
+              <a:gd name="connsiteY2" fmla="*/ 411971 h 3403233"/>
+              <a:gd name="connsiteX3" fmla="*/ 2430000 w 2430000"/>
+              <a:gd name="connsiteY3" fmla="*/ 2998225 h 3403233"/>
+              <a:gd name="connsiteX4" fmla="*/ 2024992 w 2430000"/>
+              <a:gd name="connsiteY4" fmla="*/ 3403233 h 3403233"/>
+              <a:gd name="connsiteX5" fmla="*/ 405008 w 2430000"/>
+              <a:gd name="connsiteY5" fmla="*/ 3403233 h 3403233"/>
+              <a:gd name="connsiteX6" fmla="*/ 0 w 2430000"/>
+              <a:gd name="connsiteY6" fmla="*/ 2998225 h 3403233"/>
+              <a:gd name="connsiteX7" fmla="*/ 0 w 2430000"/>
+              <a:gd name="connsiteY7" fmla="*/ 411971 h 3403233"/>
+              <a:gd name="connsiteX0" fmla="*/ 2024992 w 2430000"/>
+              <a:gd name="connsiteY0" fmla="*/ 0 h 3396270"/>
+              <a:gd name="connsiteX1" fmla="*/ 2430000 w 2430000"/>
+              <a:gd name="connsiteY1" fmla="*/ 405008 h 3396270"/>
+              <a:gd name="connsiteX2" fmla="*/ 2430000 w 2430000"/>
+              <a:gd name="connsiteY2" fmla="*/ 2991262 h 3396270"/>
+              <a:gd name="connsiteX3" fmla="*/ 2024992 w 2430000"/>
+              <a:gd name="connsiteY3" fmla="*/ 3396270 h 3396270"/>
+              <a:gd name="connsiteX4" fmla="*/ 405008 w 2430000"/>
+              <a:gd name="connsiteY4" fmla="*/ 3396270 h 3396270"/>
+              <a:gd name="connsiteX5" fmla="*/ 0 w 2430000"/>
+              <a:gd name="connsiteY5" fmla="*/ 2991262 h 3396270"/>
+              <a:gd name="connsiteX6" fmla="*/ 0 w 2430000"/>
+              <a:gd name="connsiteY6" fmla="*/ 405008 h 3396270"/>
+              <a:gd name="connsiteX7" fmla="*/ 2116432 w 2430000"/>
+              <a:gd name="connsiteY7" fmla="*/ 91440 h 3396270"/>
+              <a:gd name="connsiteX0" fmla="*/ 2024992 w 2430000"/>
+              <a:gd name="connsiteY0" fmla="*/ 0 h 3396270"/>
+              <a:gd name="connsiteX1" fmla="*/ 2430000 w 2430000"/>
+              <a:gd name="connsiteY1" fmla="*/ 405008 h 3396270"/>
+              <a:gd name="connsiteX2" fmla="*/ 2430000 w 2430000"/>
+              <a:gd name="connsiteY2" fmla="*/ 2991262 h 3396270"/>
+              <a:gd name="connsiteX3" fmla="*/ 2024992 w 2430000"/>
+              <a:gd name="connsiteY3" fmla="*/ 3396270 h 3396270"/>
+              <a:gd name="connsiteX4" fmla="*/ 405008 w 2430000"/>
+              <a:gd name="connsiteY4" fmla="*/ 3396270 h 3396270"/>
+              <a:gd name="connsiteX5" fmla="*/ 0 w 2430000"/>
+              <a:gd name="connsiteY5" fmla="*/ 2991262 h 3396270"/>
+              <a:gd name="connsiteX6" fmla="*/ 0 w 2430000"/>
+              <a:gd name="connsiteY6" fmla="*/ 405008 h 3396270"/>
+              <a:gd name="connsiteX0" fmla="*/ 2430000 w 2430000"/>
+              <a:gd name="connsiteY0" fmla="*/ 0 h 2991262"/>
+              <a:gd name="connsiteX1" fmla="*/ 2430000 w 2430000"/>
+              <a:gd name="connsiteY1" fmla="*/ 2586254 h 2991262"/>
+              <a:gd name="connsiteX2" fmla="*/ 2024992 w 2430000"/>
+              <a:gd name="connsiteY2" fmla="*/ 2991262 h 2991262"/>
+              <a:gd name="connsiteX3" fmla="*/ 405008 w 2430000"/>
+              <a:gd name="connsiteY3" fmla="*/ 2991262 h 2991262"/>
+              <a:gd name="connsiteX4" fmla="*/ 0 w 2430000"/>
+              <a:gd name="connsiteY4" fmla="*/ 2586254 h 2991262"/>
+              <a:gd name="connsiteX5" fmla="*/ 0 w 2430000"/>
+              <a:gd name="connsiteY5" fmla="*/ 0 h 2991262"/>
+              <a:gd name="connsiteX0" fmla="*/ 2430000 w 2430000"/>
+              <a:gd name="connsiteY0" fmla="*/ 0 h 2991262"/>
+              <a:gd name="connsiteX1" fmla="*/ 2430000 w 2430000"/>
+              <a:gd name="connsiteY1" fmla="*/ 2586254 h 2991262"/>
+              <a:gd name="connsiteX2" fmla="*/ 2024992 w 2430000"/>
+              <a:gd name="connsiteY2" fmla="*/ 2991262 h 2991262"/>
+              <a:gd name="connsiteX3" fmla="*/ 405008 w 2430000"/>
+              <a:gd name="connsiteY3" fmla="*/ 2991262 h 2991262"/>
+              <a:gd name="connsiteX4" fmla="*/ 0 w 2430000"/>
+              <a:gd name="connsiteY4" fmla="*/ 2586254 h 2991262"/>
+              <a:gd name="connsiteX0" fmla="*/ 2430000 w 2430000"/>
+              <a:gd name="connsiteY0" fmla="*/ 0 h 405008"/>
+              <a:gd name="connsiteX1" fmla="*/ 2024992 w 2430000"/>
+              <a:gd name="connsiteY1" fmla="*/ 405008 h 405008"/>
+              <a:gd name="connsiteX2" fmla="*/ 405008 w 2430000"/>
+              <a:gd name="connsiteY2" fmla="*/ 405008 h 405008"/>
+              <a:gd name="connsiteX3" fmla="*/ 0 w 2430000"/>
+              <a:gd name="connsiteY3" fmla="*/ 0 h 405008"/>
+            </a:gdLst>
+            <a:ahLst/>
+            <a:cxnLst>
+              <a:cxn ang="0">
+                <a:pos x="connsiteX0" y="connsiteY0"/>
+              </a:cxn>
+              <a:cxn ang="0">
+                <a:pos x="connsiteX1" y="connsiteY1"/>
+              </a:cxn>
+              <a:cxn ang="0">
+                <a:pos x="connsiteX2" y="connsiteY2"/>
+              </a:cxn>
+              <a:cxn ang="0">
+                <a:pos x="connsiteX3" y="connsiteY3"/>
+              </a:cxn>
+            </a:cxnLst>
+            <a:rect l="l" t="t" r="r" b="b"/>
+            <a:pathLst>
+              <a:path w="2430000" h="405008">
+                <a:moveTo>
+                  <a:pt x="2430000" y="0"/>
+                </a:moveTo>
+                <a:cubicBezTo>
+                  <a:pt x="2430000" y="223680"/>
+                  <a:pt x="2248672" y="405008"/>
+                  <a:pt x="2024992" y="405008"/>
+                </a:cubicBezTo>
+                <a:lnTo>
+                  <a:pt x="405008" y="405008"/>
+                </a:lnTo>
+                <a:cubicBezTo>
+                  <a:pt x="181328" y="405008"/>
+                  <a:pt x="0" y="223680"/>
+                  <a:pt x="0" y="0"/>
+                </a:cubicBezTo>
+              </a:path>
+            </a:pathLst>
+          </a:custGeom>
+          <a:noFill/>
+          <a:ln w="38100">
+            <a:solidFill>
+              <a:schemeClr val="tx1"/>
+            </a:solidFill>
+            <a:headEnd type="triangle"/>
+            <a:tailEnd type="triangle"/>
+          </a:ln>
+        </p:spPr>
+        <p:style>
+          <a:lnRef idx="2">
+            <a:schemeClr val="accent1">
+              <a:shade val="50000"/>
+            </a:schemeClr>
+          </a:lnRef>
+          <a:fillRef idx="1">
+            <a:schemeClr val="accent1"/>
+          </a:fillRef>
+          <a:effectRef idx="0">
+            <a:schemeClr val="accent1"/>
+          </a:effectRef>
+          <a:fontRef idx="minor">
+            <a:schemeClr val="lt1"/>
+          </a:fontRef>
+        </p:style>
+        <p:txBody>
+          <a:bodyPr rtlCol="0" anchor="ctr"/>
+          <a:lstStyle/>
+          <a:p>
+            <a:pPr algn="ctr"/>
+            <a:endParaRPr lang="zh-CN" altLang="en-US" sz="1600">
+              <a:solidFill>
+                <a:schemeClr val="tx1"/>
+              </a:solidFill>
+              <a:latin typeface="微软雅黑" panose="020B0503020204020204" pitchFamily="34" charset="-122"/>
+              <a:ea typeface="微软雅黑" panose="020B0503020204020204" pitchFamily="34" charset="-122"/>
+              <a:cs typeface="Microsoft Sans Serif" panose="020B0604020202020204" pitchFamily="34" charset="0"/>
+            </a:endParaRPr>
+          </a:p>
+        </p:txBody>
+      </p:sp>
+      <p:sp>
+        <p:nvSpPr>
+          <p:cNvPr id="7" name="矩形: 圆角 6">
+            <a:extLst>
+              <a:ext uri="{FF2B5EF4-FFF2-40B4-BE49-F238E27FC236}">
+                <a16:creationId xmlns:a16="http://schemas.microsoft.com/office/drawing/2014/main" id="{0D5E9B42-31B4-4CBA-A374-2B77E24D9AD4}"/>
+              </a:ext>
+            </a:extLst>
+          </p:cNvPr>
+          <p:cNvSpPr/>
+          <p:nvPr/>
+        </p:nvSpPr>
+        <p:spPr>
+          <a:xfrm>
+            <a:off x="4971000" y="3792179"/>
+            <a:ext cx="1530000" cy="299618"/>
+          </a:xfrm>
+          <a:prstGeom prst="roundRect">
+            <a:avLst/>
+          </a:prstGeom>
+          <a:solidFill>
+            <a:srgbClr val="F1F3C0"/>
+          </a:solidFill>
+          <a:ln w="38100">
+            <a:solidFill>
+              <a:schemeClr val="tx1"/>
+            </a:solidFill>
+          </a:ln>
+        </p:spPr>
+        <p:style>
+          <a:lnRef idx="2">
+            <a:schemeClr val="accent1">
+              <a:shade val="50000"/>
+            </a:schemeClr>
+          </a:lnRef>
+          <a:fillRef idx="1">
+            <a:schemeClr val="accent1"/>
+          </a:fillRef>
+          <a:effectRef idx="0">
+            <a:schemeClr val="accent1"/>
+          </a:effectRef>
+          <a:fontRef idx="minor">
+            <a:schemeClr val="lt1"/>
+          </a:fontRef>
+        </p:style>
+        <p:txBody>
+          <a:bodyPr rtlCol="0" anchor="ctr"/>
+          <a:lstStyle/>
+          <a:p>
+            <a:pPr algn="ctr"/>
+            <a:r>
+              <a:rPr lang="en-US" altLang="zh-CN" sz="1600">
+                <a:solidFill>
+                  <a:schemeClr val="tx1"/>
+                </a:solidFill>
+                <a:latin typeface="MS Reference Sans Serif" panose="020B0604030504040204" pitchFamily="34" charset="0"/>
+                <a:ea typeface="微软雅黑" panose="020B0503020204020204" pitchFamily="34" charset="-122"/>
+                <a:cs typeface="Microsoft Sans Serif" panose="020B0604020202020204" pitchFamily="34" charset="0"/>
+              </a:rPr>
+              <a:t>Add &amp; Norm</a:t>
+            </a:r>
+            <a:endParaRPr lang="zh-CN" altLang="en-US" sz="1600">
+              <a:solidFill>
+                <a:schemeClr val="tx1"/>
+              </a:solidFill>
+              <a:latin typeface="MS Reference Sans Serif" panose="020B0604030504040204" pitchFamily="34" charset="0"/>
+              <a:ea typeface="微软雅黑" panose="020B0503020204020204" pitchFamily="34" charset="-122"/>
+              <a:cs typeface="Microsoft Sans Serif" panose="020B0604020202020204" pitchFamily="34" charset="0"/>
+            </a:endParaRPr>
+          </a:p>
+        </p:txBody>
+      </p:sp>
+      <p:sp>
+        <p:nvSpPr>
+          <p:cNvPr id="88" name="矩形: 圆角 79">
+            <a:extLst>
+              <a:ext uri="{FF2B5EF4-FFF2-40B4-BE49-F238E27FC236}">
+                <a16:creationId xmlns:a16="http://schemas.microsoft.com/office/drawing/2014/main" id="{FE4A4AFB-5CAA-4A98-84D9-E44EB725874E}"/>
+              </a:ext>
+            </a:extLst>
+          </p:cNvPr>
+          <p:cNvSpPr/>
+          <p:nvPr/>
+        </p:nvSpPr>
+        <p:spPr>
+          <a:xfrm>
+            <a:off x="4660273" y="2446550"/>
+            <a:ext cx="1068726" cy="1148843"/>
+          </a:xfrm>
+          <a:custGeom>
+            <a:avLst/>
+            <a:gdLst>
+              <a:gd name="connsiteX0" fmla="*/ 0 w 2430000"/>
+              <a:gd name="connsiteY0" fmla="*/ 216941 h 1301622"/>
+              <a:gd name="connsiteX1" fmla="*/ 216941 w 2430000"/>
+              <a:gd name="connsiteY1" fmla="*/ 0 h 1301622"/>
+              <a:gd name="connsiteX2" fmla="*/ 2213059 w 2430000"/>
+              <a:gd name="connsiteY2" fmla="*/ 0 h 1301622"/>
+              <a:gd name="connsiteX3" fmla="*/ 2430000 w 2430000"/>
+              <a:gd name="connsiteY3" fmla="*/ 216941 h 1301622"/>
+              <a:gd name="connsiteX4" fmla="*/ 2430000 w 2430000"/>
+              <a:gd name="connsiteY4" fmla="*/ 1084681 h 1301622"/>
+              <a:gd name="connsiteX5" fmla="*/ 2213059 w 2430000"/>
+              <a:gd name="connsiteY5" fmla="*/ 1301622 h 1301622"/>
+              <a:gd name="connsiteX6" fmla="*/ 216941 w 2430000"/>
+              <a:gd name="connsiteY6" fmla="*/ 1301622 h 1301622"/>
+              <a:gd name="connsiteX7" fmla="*/ 0 w 2430000"/>
+              <a:gd name="connsiteY7" fmla="*/ 1084681 h 1301622"/>
+              <a:gd name="connsiteX8" fmla="*/ 0 w 2430000"/>
+              <a:gd name="connsiteY8" fmla="*/ 216941 h 1301622"/>
+              <a:gd name="connsiteX0" fmla="*/ 2213059 w 2430000"/>
+              <a:gd name="connsiteY0" fmla="*/ 1301622 h 1393062"/>
+              <a:gd name="connsiteX1" fmla="*/ 216941 w 2430000"/>
+              <a:gd name="connsiteY1" fmla="*/ 1301622 h 1393062"/>
+              <a:gd name="connsiteX2" fmla="*/ 0 w 2430000"/>
+              <a:gd name="connsiteY2" fmla="*/ 1084681 h 1393062"/>
+              <a:gd name="connsiteX3" fmla="*/ 0 w 2430000"/>
+              <a:gd name="connsiteY3" fmla="*/ 216941 h 1393062"/>
+              <a:gd name="connsiteX4" fmla="*/ 216941 w 2430000"/>
+              <a:gd name="connsiteY4" fmla="*/ 0 h 1393062"/>
+              <a:gd name="connsiteX5" fmla="*/ 2213059 w 2430000"/>
+              <a:gd name="connsiteY5" fmla="*/ 0 h 1393062"/>
+              <a:gd name="connsiteX6" fmla="*/ 2430000 w 2430000"/>
+              <a:gd name="connsiteY6" fmla="*/ 216941 h 1393062"/>
+              <a:gd name="connsiteX7" fmla="*/ 2430000 w 2430000"/>
+              <a:gd name="connsiteY7" fmla="*/ 1084681 h 1393062"/>
+              <a:gd name="connsiteX8" fmla="*/ 2304499 w 2430000"/>
+              <a:gd name="connsiteY8" fmla="*/ 1393062 h 1393062"/>
+              <a:gd name="connsiteX0" fmla="*/ 2213059 w 2430000"/>
+              <a:gd name="connsiteY0" fmla="*/ 1301622 h 1393062"/>
+              <a:gd name="connsiteX1" fmla="*/ 216941 w 2430000"/>
+              <a:gd name="connsiteY1" fmla="*/ 1301622 h 1393062"/>
+              <a:gd name="connsiteX2" fmla="*/ 0 w 2430000"/>
+              <a:gd name="connsiteY2" fmla="*/ 1084681 h 1393062"/>
+              <a:gd name="connsiteX3" fmla="*/ 0 w 2430000"/>
+              <a:gd name="connsiteY3" fmla="*/ 216941 h 1393062"/>
+              <a:gd name="connsiteX4" fmla="*/ 216941 w 2430000"/>
+              <a:gd name="connsiteY4" fmla="*/ 0 h 1393062"/>
+              <a:gd name="connsiteX5" fmla="*/ 2213059 w 2430000"/>
+              <a:gd name="connsiteY5" fmla="*/ 0 h 1393062"/>
+              <a:gd name="connsiteX6" fmla="*/ 2430000 w 2430000"/>
+              <a:gd name="connsiteY6" fmla="*/ 216941 h 1393062"/>
+              <a:gd name="connsiteX7" fmla="*/ 2304499 w 2430000"/>
+              <a:gd name="connsiteY7" fmla="*/ 1393062 h 1393062"/>
+              <a:gd name="connsiteX0" fmla="*/ 2213059 w 2390108"/>
+              <a:gd name="connsiteY0" fmla="*/ 1301622 h 1393062"/>
+              <a:gd name="connsiteX1" fmla="*/ 216941 w 2390108"/>
+              <a:gd name="connsiteY1" fmla="*/ 1301622 h 1393062"/>
+              <a:gd name="connsiteX2" fmla="*/ 0 w 2390108"/>
+              <a:gd name="connsiteY2" fmla="*/ 1084681 h 1393062"/>
+              <a:gd name="connsiteX3" fmla="*/ 0 w 2390108"/>
+              <a:gd name="connsiteY3" fmla="*/ 216941 h 1393062"/>
+              <a:gd name="connsiteX4" fmla="*/ 216941 w 2390108"/>
+              <a:gd name="connsiteY4" fmla="*/ 0 h 1393062"/>
+              <a:gd name="connsiteX5" fmla="*/ 2213059 w 2390108"/>
+              <a:gd name="connsiteY5" fmla="*/ 0 h 1393062"/>
+              <a:gd name="connsiteX6" fmla="*/ 2304499 w 2390108"/>
+              <a:gd name="connsiteY6" fmla="*/ 1393062 h 1393062"/>
+              <a:gd name="connsiteX0" fmla="*/ 2213059 w 2213059"/>
+              <a:gd name="connsiteY0" fmla="*/ 1301622 h 1301622"/>
+              <a:gd name="connsiteX1" fmla="*/ 216941 w 2213059"/>
+              <a:gd name="connsiteY1" fmla="*/ 1301622 h 1301622"/>
+              <a:gd name="connsiteX2" fmla="*/ 0 w 2213059"/>
+              <a:gd name="connsiteY2" fmla="*/ 1084681 h 1301622"/>
+              <a:gd name="connsiteX3" fmla="*/ 0 w 2213059"/>
+              <a:gd name="connsiteY3" fmla="*/ 216941 h 1301622"/>
+              <a:gd name="connsiteX4" fmla="*/ 216941 w 2213059"/>
+              <a:gd name="connsiteY4" fmla="*/ 0 h 1301622"/>
+              <a:gd name="connsiteX5" fmla="*/ 2213059 w 2213059"/>
+              <a:gd name="connsiteY5" fmla="*/ 0 h 1301622"/>
+              <a:gd name="connsiteX0" fmla="*/ 2213059 w 2213059"/>
+              <a:gd name="connsiteY0" fmla="*/ 1301622 h 1301622"/>
+              <a:gd name="connsiteX1" fmla="*/ 216941 w 2213059"/>
+              <a:gd name="connsiteY1" fmla="*/ 1301622 h 1301622"/>
+              <a:gd name="connsiteX2" fmla="*/ 0 w 2213059"/>
+              <a:gd name="connsiteY2" fmla="*/ 1084681 h 1301622"/>
+              <a:gd name="connsiteX3" fmla="*/ 0 w 2213059"/>
+              <a:gd name="connsiteY3" fmla="*/ 216941 h 1301622"/>
+              <a:gd name="connsiteX4" fmla="*/ 216941 w 2213059"/>
+              <a:gd name="connsiteY4" fmla="*/ 0 h 1301622"/>
+              <a:gd name="connsiteX5" fmla="*/ 1444963 w 2213059"/>
+              <a:gd name="connsiteY5" fmla="*/ 0 h 1301622"/>
+              <a:gd name="connsiteX0" fmla="*/ 2213059 w 2213059"/>
+              <a:gd name="connsiteY0" fmla="*/ 1301622 h 1301622"/>
+              <a:gd name="connsiteX1" fmla="*/ 216941 w 2213059"/>
+              <a:gd name="connsiteY1" fmla="*/ 1301622 h 1301622"/>
+              <a:gd name="connsiteX2" fmla="*/ 0 w 2213059"/>
+              <a:gd name="connsiteY2" fmla="*/ 1084681 h 1301622"/>
+              <a:gd name="connsiteX3" fmla="*/ 0 w 2213059"/>
+              <a:gd name="connsiteY3" fmla="*/ 216941 h 1301622"/>
+              <a:gd name="connsiteX4" fmla="*/ 216941 w 2213059"/>
+              <a:gd name="connsiteY4" fmla="*/ 0 h 1301622"/>
+              <a:gd name="connsiteX5" fmla="*/ 383243 w 2213059"/>
+              <a:gd name="connsiteY5" fmla="*/ 0 h 1301622"/>
+              <a:gd name="connsiteX0" fmla="*/ 2213059 w 2213059"/>
+              <a:gd name="connsiteY0" fmla="*/ 1301622 h 1301622"/>
+              <a:gd name="connsiteX1" fmla="*/ 216941 w 2213059"/>
+              <a:gd name="connsiteY1" fmla="*/ 1301622 h 1301622"/>
+              <a:gd name="connsiteX2" fmla="*/ 0 w 2213059"/>
+              <a:gd name="connsiteY2" fmla="*/ 1084681 h 1301622"/>
+              <a:gd name="connsiteX3" fmla="*/ 0 w 2213059"/>
+              <a:gd name="connsiteY3" fmla="*/ 216941 h 1301622"/>
+              <a:gd name="connsiteX4" fmla="*/ 216941 w 2213059"/>
+              <a:gd name="connsiteY4" fmla="*/ 0 h 1301622"/>
+              <a:gd name="connsiteX5" fmla="*/ 383243 w 2213059"/>
+              <a:gd name="connsiteY5" fmla="*/ 0 h 1301622"/>
+              <a:gd name="connsiteX0" fmla="*/ 1190231 w 1190231"/>
+              <a:gd name="connsiteY0" fmla="*/ 1301622 h 1301622"/>
+              <a:gd name="connsiteX1" fmla="*/ 216941 w 1190231"/>
+              <a:gd name="connsiteY1" fmla="*/ 1301622 h 1301622"/>
+              <a:gd name="connsiteX2" fmla="*/ 0 w 1190231"/>
+              <a:gd name="connsiteY2" fmla="*/ 1084681 h 1301622"/>
+              <a:gd name="connsiteX3" fmla="*/ 0 w 1190231"/>
+              <a:gd name="connsiteY3" fmla="*/ 216941 h 1301622"/>
+              <a:gd name="connsiteX4" fmla="*/ 216941 w 1190231"/>
+              <a:gd name="connsiteY4" fmla="*/ 0 h 1301622"/>
+              <a:gd name="connsiteX5" fmla="*/ 383243 w 1190231"/>
+              <a:gd name="connsiteY5" fmla="*/ 0 h 1301622"/>
+              <a:gd name="connsiteX0" fmla="*/ 1343497 w 1343497"/>
+              <a:gd name="connsiteY0" fmla="*/ 1296578 h 1301622"/>
+              <a:gd name="connsiteX1" fmla="*/ 216941 w 1343497"/>
+              <a:gd name="connsiteY1" fmla="*/ 1301622 h 1301622"/>
+              <a:gd name="connsiteX2" fmla="*/ 0 w 1343497"/>
+              <a:gd name="connsiteY2" fmla="*/ 1084681 h 1301622"/>
+              <a:gd name="connsiteX3" fmla="*/ 0 w 1343497"/>
+              <a:gd name="connsiteY3" fmla="*/ 216941 h 1301622"/>
+              <a:gd name="connsiteX4" fmla="*/ 216941 w 1343497"/>
+              <a:gd name="connsiteY4" fmla="*/ 0 h 1301622"/>
+              <a:gd name="connsiteX5" fmla="*/ 383243 w 1343497"/>
+              <a:gd name="connsiteY5" fmla="*/ 0 h 1301622"/>
+              <a:gd name="connsiteX0" fmla="*/ 1343497 w 1343497"/>
+              <a:gd name="connsiteY0" fmla="*/ 1296578 h 1301622"/>
+              <a:gd name="connsiteX1" fmla="*/ 216941 w 1343497"/>
+              <a:gd name="connsiteY1" fmla="*/ 1301622 h 1301622"/>
+              <a:gd name="connsiteX2" fmla="*/ 0 w 1343497"/>
+              <a:gd name="connsiteY2" fmla="*/ 1084681 h 1301622"/>
+              <a:gd name="connsiteX3" fmla="*/ 0 w 1343497"/>
+              <a:gd name="connsiteY3" fmla="*/ 216941 h 1301622"/>
+              <a:gd name="connsiteX4" fmla="*/ 216941 w 1343497"/>
+              <a:gd name="connsiteY4" fmla="*/ 0 h 1301622"/>
+              <a:gd name="connsiteX5" fmla="*/ 383243 w 1343497"/>
+              <a:gd name="connsiteY5" fmla="*/ 0 h 1301622"/>
+              <a:gd name="connsiteX0" fmla="*/ 1343497 w 1343497"/>
+              <a:gd name="connsiteY0" fmla="*/ 1301622 h 1301622"/>
+              <a:gd name="connsiteX1" fmla="*/ 216941 w 1343497"/>
+              <a:gd name="connsiteY1" fmla="*/ 1301622 h 1301622"/>
+              <a:gd name="connsiteX2" fmla="*/ 0 w 1343497"/>
+              <a:gd name="connsiteY2" fmla="*/ 1084681 h 1301622"/>
+              <a:gd name="connsiteX3" fmla="*/ 0 w 1343497"/>
+              <a:gd name="connsiteY3" fmla="*/ 216941 h 1301622"/>
+              <a:gd name="connsiteX4" fmla="*/ 216941 w 1343497"/>
+              <a:gd name="connsiteY4" fmla="*/ 0 h 1301622"/>
+              <a:gd name="connsiteX5" fmla="*/ 383243 w 1343497"/>
+              <a:gd name="connsiteY5" fmla="*/ 0 h 1301622"/>
+              <a:gd name="connsiteX0" fmla="*/ 1343497 w 1343497"/>
+              <a:gd name="connsiteY0" fmla="*/ 1306666 h 1306666"/>
+              <a:gd name="connsiteX1" fmla="*/ 216941 w 1343497"/>
+              <a:gd name="connsiteY1" fmla="*/ 1301622 h 1306666"/>
+              <a:gd name="connsiteX2" fmla="*/ 0 w 1343497"/>
+              <a:gd name="connsiteY2" fmla="*/ 1084681 h 1306666"/>
+              <a:gd name="connsiteX3" fmla="*/ 0 w 1343497"/>
+              <a:gd name="connsiteY3" fmla="*/ 216941 h 1306666"/>
+              <a:gd name="connsiteX4" fmla="*/ 216941 w 1343497"/>
+              <a:gd name="connsiteY4" fmla="*/ 0 h 1306666"/>
+              <a:gd name="connsiteX5" fmla="*/ 383243 w 1343497"/>
+              <a:gd name="connsiteY5" fmla="*/ 0 h 1306666"/>
+            </a:gdLst>
+            <a:ahLst/>
+            <a:cxnLst>
+              <a:cxn ang="0">
+                <a:pos x="connsiteX0" y="connsiteY0"/>
+              </a:cxn>
+              <a:cxn ang="0">
+                <a:pos x="connsiteX1" y="connsiteY1"/>
+              </a:cxn>
+              <a:cxn ang="0">
+                <a:pos x="connsiteX2" y="connsiteY2"/>
+              </a:cxn>
+              <a:cxn ang="0">
+                <a:pos x="connsiteX3" y="connsiteY3"/>
+              </a:cxn>
+              <a:cxn ang="0">
+                <a:pos x="connsiteX4" y="connsiteY4"/>
+              </a:cxn>
+              <a:cxn ang="0">
+                <a:pos x="connsiteX5" y="connsiteY5"/>
+              </a:cxn>
+            </a:cxnLst>
+            <a:rect l="l" t="t" r="r" b="b"/>
+            <a:pathLst>
+              <a:path w="1343497" h="1306666">
+                <a:moveTo>
+                  <a:pt x="1343497" y="1306666"/>
+                </a:moveTo>
+                <a:lnTo>
+                  <a:pt x="216941" y="1301622"/>
+                </a:lnTo>
+                <a:cubicBezTo>
+                  <a:pt x="97128" y="1301622"/>
+                  <a:pt x="0" y="1204494"/>
+                  <a:pt x="0" y="1084681"/>
+                </a:cubicBezTo>
+                <a:lnTo>
+                  <a:pt x="0" y="216941"/>
+                </a:lnTo>
+                <a:cubicBezTo>
+                  <a:pt x="0" y="97128"/>
+                  <a:pt x="97128" y="0"/>
+                  <a:pt x="216941" y="0"/>
+                </a:cubicBezTo>
+                <a:lnTo>
+                  <a:pt x="383243" y="0"/>
+                </a:lnTo>
+              </a:path>
+            </a:pathLst>
+          </a:custGeom>
+          <a:noFill/>
+          <a:ln w="38100">
+            <a:solidFill>
+              <a:schemeClr val="tx1"/>
+            </a:solidFill>
+            <a:headEnd type="none"/>
+            <a:tailEnd type="triangle"/>
+          </a:ln>
+        </p:spPr>
+        <p:style>
+          <a:lnRef idx="2">
+            <a:schemeClr val="accent1">
+              <a:shade val="50000"/>
+            </a:schemeClr>
+          </a:lnRef>
+          <a:fillRef idx="1">
+            <a:schemeClr val="accent1"/>
+          </a:fillRef>
+          <a:effectRef idx="0">
+            <a:schemeClr val="accent1"/>
+          </a:effectRef>
+          <a:fontRef idx="minor">
+            <a:schemeClr val="lt1"/>
+          </a:fontRef>
+        </p:style>
+        <p:txBody>
+          <a:bodyPr rtlCol="0" anchor="ctr"/>
+          <a:lstStyle/>
+          <a:p>
+            <a:pPr algn="ctr"/>
+            <a:endParaRPr lang="zh-CN" altLang="en-US" sz="1600">
+              <a:solidFill>
+                <a:schemeClr val="tx1"/>
+              </a:solidFill>
+              <a:latin typeface="微软雅黑" panose="020B0503020204020204" pitchFamily="34" charset="-122"/>
+              <a:ea typeface="微软雅黑" panose="020B0503020204020204" pitchFamily="34" charset="-122"/>
+              <a:cs typeface="Microsoft Sans Serif" panose="020B0604020202020204" pitchFamily="34" charset="0"/>
+            </a:endParaRPr>
+          </a:p>
+        </p:txBody>
+      </p:sp>
+      <p:cxnSp>
+        <p:nvCxnSpPr>
+          <p:cNvPr id="92" name="直接箭头连接符 91">
+            <a:extLst>
+              <a:ext uri="{FF2B5EF4-FFF2-40B4-BE49-F238E27FC236}">
+                <a16:creationId xmlns:a16="http://schemas.microsoft.com/office/drawing/2014/main" id="{EF0C1723-8CC6-4209-8202-CA809E7016C3}"/>
+              </a:ext>
+            </a:extLst>
+          </p:cNvPr>
+          <p:cNvCxnSpPr>
+            <a:cxnSpLocks/>
+            <a:stCxn id="9" idx="0"/>
+            <a:endCxn id="97" idx="2"/>
+          </p:cNvCxnSpPr>
+          <p:nvPr/>
+        </p:nvCxnSpPr>
+        <p:spPr>
+          <a:xfrm flipV="1">
+            <a:off x="5736000" y="1802638"/>
+            <a:ext cx="2814" cy="494113"/>
+          </a:xfrm>
+          <a:prstGeom prst="straightConnector1">
+            <a:avLst/>
+          </a:prstGeom>
+          <a:ln w="38100">
+            <a:solidFill>
+              <a:schemeClr val="tx1"/>
+            </a:solidFill>
+            <a:tailEnd type="triangle"/>
+          </a:ln>
+        </p:spPr>
+        <p:style>
+          <a:lnRef idx="1">
+            <a:schemeClr val="accent1"/>
+          </a:lnRef>
+          <a:fillRef idx="0">
+            <a:schemeClr val="accent1"/>
+          </a:fillRef>
+          <a:effectRef idx="0">
+            <a:schemeClr val="accent1"/>
+          </a:effectRef>
+          <a:fontRef idx="minor">
+            <a:schemeClr val="tx1"/>
+          </a:fontRef>
+        </p:style>
+      </p:cxnSp>
+      <p:sp>
+        <p:nvSpPr>
+          <p:cNvPr id="97" name="矩形: 圆角 96">
+            <a:extLst>
+              <a:ext uri="{FF2B5EF4-FFF2-40B4-BE49-F238E27FC236}">
+                <a16:creationId xmlns:a16="http://schemas.microsoft.com/office/drawing/2014/main" id="{5E12D298-6C7C-4B32-88AA-5954DDB8AFAD}"/>
+              </a:ext>
+            </a:extLst>
+          </p:cNvPr>
+          <p:cNvSpPr/>
+          <p:nvPr/>
+        </p:nvSpPr>
+        <p:spPr>
+          <a:xfrm>
+            <a:off x="4973814" y="1503020"/>
+            <a:ext cx="1530000" cy="299618"/>
+          </a:xfrm>
+          <a:prstGeom prst="roundRect">
+            <a:avLst/>
+          </a:prstGeom>
+          <a:solidFill>
+            <a:srgbClr val="DADEEE"/>
+          </a:solidFill>
+          <a:ln w="38100">
+            <a:solidFill>
+              <a:schemeClr val="tx1"/>
+            </a:solidFill>
+          </a:ln>
+        </p:spPr>
+        <p:style>
+          <a:lnRef idx="2">
+            <a:schemeClr val="accent1">
+              <a:shade val="50000"/>
+            </a:schemeClr>
+          </a:lnRef>
+          <a:fillRef idx="1">
+            <a:schemeClr val="accent1"/>
+          </a:fillRef>
+          <a:effectRef idx="0">
+            <a:schemeClr val="accent1"/>
+          </a:effectRef>
+          <a:fontRef idx="minor">
+            <a:schemeClr val="lt1"/>
+          </a:fontRef>
+        </p:style>
+        <p:txBody>
+          <a:bodyPr rtlCol="0" anchor="ctr"/>
+          <a:lstStyle/>
+          <a:p>
+            <a:pPr algn="ctr"/>
+            <a:r>
+              <a:rPr lang="en-US" altLang="zh-CN" sz="1600">
+                <a:solidFill>
+                  <a:schemeClr val="tx1"/>
+                </a:solidFill>
+                <a:latin typeface="MS Reference Sans Serif" panose="020B0604030504040204" pitchFamily="34" charset="0"/>
+                <a:ea typeface="微软雅黑" panose="020B0503020204020204" pitchFamily="34" charset="-122"/>
+                <a:cs typeface="Microsoft Sans Serif" panose="020B0604020202020204" pitchFamily="34" charset="0"/>
+              </a:rPr>
+              <a:t>Linear</a:t>
+            </a:r>
+            <a:endParaRPr lang="zh-CN" altLang="en-US" sz="1600">
+              <a:solidFill>
+                <a:schemeClr val="tx1"/>
+              </a:solidFill>
+              <a:latin typeface="MS Reference Sans Serif" panose="020B0604030504040204" pitchFamily="34" charset="0"/>
+              <a:ea typeface="微软雅黑" panose="020B0503020204020204" pitchFamily="34" charset="-122"/>
+              <a:cs typeface="Microsoft Sans Serif" panose="020B0604020202020204" pitchFamily="34" charset="0"/>
+            </a:endParaRPr>
+          </a:p>
+        </p:txBody>
+      </p:sp>
+      <p:sp>
+        <p:nvSpPr>
+          <p:cNvPr id="99" name="矩形: 圆角 98">
+            <a:extLst>
+              <a:ext uri="{FF2B5EF4-FFF2-40B4-BE49-F238E27FC236}">
+                <a16:creationId xmlns:a16="http://schemas.microsoft.com/office/drawing/2014/main" id="{80C8627D-87C9-4743-84AD-95C120A8F03E}"/>
+              </a:ext>
+            </a:extLst>
+          </p:cNvPr>
+          <p:cNvSpPr/>
+          <p:nvPr/>
+        </p:nvSpPr>
+        <p:spPr>
+          <a:xfrm>
+            <a:off x="4979542" y="998254"/>
+            <a:ext cx="1530000" cy="299618"/>
+          </a:xfrm>
+          <a:prstGeom prst="roundRect">
+            <a:avLst/>
+          </a:prstGeom>
+          <a:solidFill>
+            <a:srgbClr val="CCE7CF"/>
+          </a:solidFill>
+          <a:ln w="38100">
+            <a:solidFill>
+              <a:schemeClr val="tx1"/>
+            </a:solidFill>
+          </a:ln>
+        </p:spPr>
+        <p:style>
+          <a:lnRef idx="2">
+            <a:schemeClr val="accent1">
+              <a:shade val="50000"/>
+            </a:schemeClr>
+          </a:lnRef>
+          <a:fillRef idx="1">
+            <a:schemeClr val="accent1"/>
+          </a:fillRef>
+          <a:effectRef idx="0">
+            <a:schemeClr val="accent1"/>
+          </a:effectRef>
+          <a:fontRef idx="minor">
+            <a:schemeClr val="lt1"/>
+          </a:fontRef>
+        </p:style>
+        <p:txBody>
+          <a:bodyPr rtlCol="0" anchor="ctr"/>
+          <a:lstStyle/>
+          <a:p>
+            <a:pPr algn="ctr"/>
+            <a:r>
+              <a:rPr lang="en-US" altLang="zh-CN" sz="1600">
+                <a:solidFill>
+                  <a:schemeClr val="tx1"/>
+                </a:solidFill>
+                <a:latin typeface="MS Reference Sans Serif" panose="020B0604030504040204" pitchFamily="34" charset="0"/>
+                <a:ea typeface="微软雅黑" panose="020B0503020204020204" pitchFamily="34" charset="-122"/>
+                <a:cs typeface="Microsoft Sans Serif" panose="020B0604020202020204" pitchFamily="34" charset="0"/>
+              </a:rPr>
+              <a:t>Sigmoid</a:t>
+            </a:r>
+            <a:endParaRPr lang="zh-CN" altLang="en-US" sz="1600">
+              <a:solidFill>
+                <a:schemeClr val="tx1"/>
+              </a:solidFill>
+              <a:latin typeface="MS Reference Sans Serif" panose="020B0604030504040204" pitchFamily="34" charset="0"/>
+              <a:ea typeface="微软雅黑" panose="020B0503020204020204" pitchFamily="34" charset="-122"/>
+              <a:cs typeface="Microsoft Sans Serif" panose="020B0604020202020204" pitchFamily="34" charset="0"/>
+            </a:endParaRPr>
+          </a:p>
+        </p:txBody>
+      </p:sp>
+      <p:cxnSp>
+        <p:nvCxnSpPr>
+          <p:cNvPr id="102" name="直接箭头连接符 101">
+            <a:extLst>
+              <a:ext uri="{FF2B5EF4-FFF2-40B4-BE49-F238E27FC236}">
+                <a16:creationId xmlns:a16="http://schemas.microsoft.com/office/drawing/2014/main" id="{593F7882-9384-4225-A78B-018FF2BD73FF}"/>
+              </a:ext>
+            </a:extLst>
+          </p:cNvPr>
+          <p:cNvCxnSpPr>
+            <a:cxnSpLocks/>
+            <a:stCxn id="97" idx="0"/>
+            <a:endCxn id="99" idx="2"/>
+          </p:cNvCxnSpPr>
+          <p:nvPr/>
+        </p:nvCxnSpPr>
+        <p:spPr>
+          <a:xfrm flipV="1">
+            <a:off x="5738814" y="1297872"/>
+            <a:ext cx="5728" cy="205148"/>
+          </a:xfrm>
+          <a:prstGeom prst="straightConnector1">
+            <a:avLst/>
+          </a:prstGeom>
+          <a:ln w="38100">
+            <a:solidFill>
+              <a:schemeClr val="tx1"/>
+            </a:solidFill>
+            <a:tailEnd type="triangle"/>
+          </a:ln>
+        </p:spPr>
+        <p:style>
+          <a:lnRef idx="1">
+            <a:schemeClr val="accent1"/>
+          </a:lnRef>
+          <a:fillRef idx="0">
+            <a:schemeClr val="accent1"/>
+          </a:fillRef>
+          <a:effectRef idx="0">
+            <a:schemeClr val="accent1"/>
+          </a:effectRef>
+          <a:fontRef idx="minor">
+            <a:schemeClr val="tx1"/>
+          </a:fontRef>
+        </p:style>
+      </p:cxnSp>
+      <p:sp>
+        <p:nvSpPr>
+          <p:cNvPr id="105" name="矩形: 圆角 104">
+            <a:extLst>
+              <a:ext uri="{FF2B5EF4-FFF2-40B4-BE49-F238E27FC236}">
+                <a16:creationId xmlns:a16="http://schemas.microsoft.com/office/drawing/2014/main" id="{9E19DFF1-92C6-4930-9356-7BCC6F302B6C}"/>
+              </a:ext>
+            </a:extLst>
+          </p:cNvPr>
+          <p:cNvSpPr/>
+          <p:nvPr/>
+        </p:nvSpPr>
+        <p:spPr>
+          <a:xfrm>
+            <a:off x="4702796" y="-32555"/>
+            <a:ext cx="2083491" cy="744935"/>
+          </a:xfrm>
+          <a:prstGeom prst="roundRect">
+            <a:avLst/>
+          </a:prstGeom>
+          <a:noFill/>
+          <a:ln w="38100">
+            <a:noFill/>
+          </a:ln>
+        </p:spPr>
+        <p:style>
+          <a:lnRef idx="2">
+            <a:schemeClr val="accent1">
+              <a:shade val="50000"/>
+            </a:schemeClr>
+          </a:lnRef>
+          <a:fillRef idx="1">
+            <a:schemeClr val="accent1"/>
+          </a:fillRef>
+          <a:effectRef idx="0">
+            <a:schemeClr val="accent1"/>
+          </a:effectRef>
+          <a:fontRef idx="minor">
+            <a:schemeClr val="lt1"/>
+          </a:fontRef>
+        </p:style>
+        <p:txBody>
+          <a:bodyPr rtlCol="0" anchor="ctr"/>
+          <a:lstStyle/>
+          <a:p>
+            <a:pPr algn="ctr"/>
+            <a:r>
+              <a:rPr lang="en-US" altLang="zh-CN" sz="1600">
+                <a:solidFill>
+                  <a:schemeClr val="tx1"/>
+                </a:solidFill>
+                <a:latin typeface="MS Reference Sans Serif" panose="020B0604030504040204" pitchFamily="34" charset="0"/>
+                <a:ea typeface="微软雅黑" panose="020B0503020204020204" pitchFamily="34" charset="-122"/>
+                <a:cs typeface="Calibri" panose="020F0502020204030204" pitchFamily="34" charset="0"/>
+              </a:rPr>
+              <a:t>Output</a:t>
+            </a:r>
+          </a:p>
+          <a:p>
+            <a:pPr algn="ctr"/>
+            <a:r>
+              <a:rPr lang="en-US" altLang="zh-CN" sz="1600">
+                <a:solidFill>
+                  <a:schemeClr val="tx1"/>
+                </a:solidFill>
+                <a:latin typeface="MS Reference Sans Serif" panose="020B0604030504040204" pitchFamily="34" charset="0"/>
+                <a:ea typeface="微软雅黑" panose="020B0503020204020204" pitchFamily="34" charset="-122"/>
+                <a:cs typeface="Calibri" panose="020F0502020204030204" pitchFamily="34" charset="0"/>
+              </a:rPr>
+              <a:t>Probabilities</a:t>
+            </a:r>
+            <a:endParaRPr lang="zh-CN" altLang="en-US" sz="1600">
+              <a:solidFill>
+                <a:schemeClr val="tx1"/>
+              </a:solidFill>
+              <a:latin typeface="MS Reference Sans Serif" panose="020B0604030504040204" pitchFamily="34" charset="0"/>
+              <a:ea typeface="微软雅黑" panose="020B0503020204020204" pitchFamily="34" charset="-122"/>
+              <a:cs typeface="Calibri" panose="020F0502020204030204" pitchFamily="34" charset="0"/>
+            </a:endParaRPr>
+          </a:p>
+        </p:txBody>
+      </p:sp>
+      <p:cxnSp>
+        <p:nvCxnSpPr>
+          <p:cNvPr id="106" name="直接箭头连接符 105">
+            <a:extLst>
+              <a:ext uri="{FF2B5EF4-FFF2-40B4-BE49-F238E27FC236}">
+                <a16:creationId xmlns:a16="http://schemas.microsoft.com/office/drawing/2014/main" id="{E5F90AF7-8CFB-4CAE-83C9-E31FB4BDA49A}"/>
+              </a:ext>
+            </a:extLst>
+          </p:cNvPr>
+          <p:cNvCxnSpPr>
+            <a:cxnSpLocks/>
+            <a:stCxn id="99" idx="0"/>
+          </p:cNvCxnSpPr>
+          <p:nvPr/>
+        </p:nvCxnSpPr>
+        <p:spPr>
+          <a:xfrm flipV="1">
+            <a:off x="5744542" y="675000"/>
+            <a:ext cx="0" cy="323254"/>
+          </a:xfrm>
+          <a:prstGeom prst="straightConnector1">
+            <a:avLst/>
+          </a:prstGeom>
+          <a:ln w="38100">
+            <a:solidFill>
+              <a:schemeClr val="tx1"/>
+            </a:solidFill>
+            <a:tailEnd type="triangle"/>
+          </a:ln>
+        </p:spPr>
+        <p:style>
+          <a:lnRef idx="1">
+            <a:schemeClr val="accent1"/>
+          </a:lnRef>
+          <a:fillRef idx="0">
+            <a:schemeClr val="accent1"/>
+          </a:fillRef>
+          <a:effectRef idx="0">
+            <a:schemeClr val="accent1"/>
+          </a:effectRef>
+          <a:fontRef idx="minor">
+            <a:schemeClr val="tx1"/>
+          </a:fontRef>
+        </p:style>
+      </p:cxnSp>
+    </p:spTree>
+    <p:extLst>
+      <p:ext uri="{BB962C8B-B14F-4D97-AF65-F5344CB8AC3E}">
+        <p14:creationId xmlns:p14="http://schemas.microsoft.com/office/powerpoint/2010/main" val="2296506732"/>
+      </p:ext>
+    </p:extLst>
+  </p:cSld>
+  <p:clrMapOvr>
+    <a:masterClrMapping/>
+  </p:clrMapOvr>
+</p:sld>
+</file>
+
+<file path=ppt/slides/slide3.xml><?xml version="1.0" encoding="utf-8"?>
+<p:sld xmlns:a="http://schemas.openxmlformats.org/drawingml/2006/main" xmlns:r="http://schemas.openxmlformats.org/officeDocument/2006/relationships" xmlns:p="http://schemas.openxmlformats.org/presentationml/2006/main">
+  <p:cSld>
+    <p:spTree>
+      <p:nvGrpSpPr>
+        <p:cNvPr id="1" name=""/>
+        <p:cNvGrpSpPr/>
+        <p:nvPr/>
+      </p:nvGrpSpPr>
+      <p:grpSpPr>
+        <a:xfrm>
+          <a:off x="0" y="0"/>
+          <a:ext cx="0" cy="0"/>
+          <a:chOff x="0" y="0"/>
+          <a:chExt cx="0" cy="0"/>
+        </a:xfrm>
+      </p:grpSpPr>
+      <p:sp>
+        <p:nvSpPr>
+          <p:cNvPr id="4" name="矩形: 圆角 3">
+            <a:extLst>
+              <a:ext uri="{FF2B5EF4-FFF2-40B4-BE49-F238E27FC236}">
+                <a16:creationId xmlns:a16="http://schemas.microsoft.com/office/drawing/2014/main" id="{6ED4FBEB-53A2-4FDC-92F4-A50A67600BE0}"/>
+              </a:ext>
+            </a:extLst>
+          </p:cNvPr>
+          <p:cNvSpPr/>
+          <p:nvPr/>
+        </p:nvSpPr>
+        <p:spPr>
+          <a:xfrm>
+            <a:off x="5779331" y="1481873"/>
+            <a:ext cx="1260000" cy="540000"/>
+          </a:xfrm>
+          <a:prstGeom prst="roundRect">
+            <a:avLst/>
+          </a:prstGeom>
+          <a:solidFill>
+            <a:srgbClr val="C1E7F6"/>
+          </a:solidFill>
+          <a:ln w="38100">
+            <a:solidFill>
+              <a:schemeClr val="tx1"/>
+            </a:solidFill>
+          </a:ln>
+        </p:spPr>
+        <p:style>
+          <a:lnRef idx="2">
+            <a:schemeClr val="accent1">
+              <a:shade val="50000"/>
+            </a:schemeClr>
+          </a:lnRef>
+          <a:fillRef idx="1">
+            <a:schemeClr val="accent1"/>
+          </a:fillRef>
+          <a:effectRef idx="0">
+            <a:schemeClr val="accent1"/>
+          </a:effectRef>
+          <a:fontRef idx="minor">
+            <a:schemeClr val="lt1"/>
+          </a:fontRef>
+        </p:style>
+        <p:txBody>
+          <a:bodyPr rtlCol="0" anchor="ctr"/>
+          <a:lstStyle/>
+          <a:p>
+            <a:pPr algn="ctr"/>
+            <a:r>
+              <a:rPr lang="en-US" altLang="zh-CN" sz="2000">
+                <a:solidFill>
+                  <a:schemeClr val="tx1"/>
+                </a:solidFill>
+                <a:latin typeface="Consolas" panose="020B0609020204030204" pitchFamily="49" charset="0"/>
+                <a:ea typeface="微软雅黑" panose="020B0503020204020204" pitchFamily="34" charset="-122"/>
+                <a:cs typeface="Microsoft Sans Serif" panose="020B0604020202020204" pitchFamily="34" charset="0"/>
+              </a:rPr>
+              <a:t>Bert</a:t>
+            </a:r>
+            <a:endParaRPr lang="zh-CN" altLang="en-US" sz="2000">
+              <a:solidFill>
+                <a:schemeClr val="tx1"/>
+              </a:solidFill>
+              <a:latin typeface="Consolas" panose="020B0609020204030204" pitchFamily="49" charset="0"/>
+              <a:ea typeface="微软雅黑" panose="020B0503020204020204" pitchFamily="34" charset="-122"/>
+              <a:cs typeface="Microsoft Sans Serif" panose="020B0604020202020204" pitchFamily="34" charset="0"/>
+            </a:endParaRPr>
+          </a:p>
+        </p:txBody>
+      </p:sp>
+      <p:pic>
+        <p:nvPicPr>
+          <p:cNvPr id="5" name="图片 4">
+            <a:extLst>
+              <a:ext uri="{FF2B5EF4-FFF2-40B4-BE49-F238E27FC236}">
+                <a16:creationId xmlns:a16="http://schemas.microsoft.com/office/drawing/2014/main" id="{95AACEB4-40F2-412E-A0EC-B45395403746}"/>
+              </a:ext>
+            </a:extLst>
+          </p:cNvPr>
+          <p:cNvPicPr>
+            <a:picLocks noChangeAspect="1"/>
+          </p:cNvPicPr>
+          <p:nvPr/>
+        </p:nvPicPr>
+        <p:blipFill>
+          <a:blip r:embed="rId2"/>
+          <a:stretch>
+            <a:fillRect/>
+          </a:stretch>
+        </p:blipFill>
+        <p:spPr>
+          <a:xfrm>
+            <a:off x="2181000" y="483744"/>
+            <a:ext cx="6965284" cy="723963"/>
+          </a:xfrm>
+          <a:prstGeom prst="rect">
+            <a:avLst/>
+          </a:prstGeom>
+        </p:spPr>
+      </p:pic>
+      <p:sp>
+        <p:nvSpPr>
+          <p:cNvPr id="6" name="矩形: 圆角 5">
+            <a:extLst>
+              <a:ext uri="{FF2B5EF4-FFF2-40B4-BE49-F238E27FC236}">
+                <a16:creationId xmlns:a16="http://schemas.microsoft.com/office/drawing/2014/main" id="{17594938-58C2-4857-B4E3-B3A2515446B1}"/>
+              </a:ext>
+            </a:extLst>
+          </p:cNvPr>
+          <p:cNvSpPr/>
+          <p:nvPr/>
+        </p:nvSpPr>
+        <p:spPr>
+          <a:xfrm>
+            <a:off x="3981000" y="2411467"/>
+            <a:ext cx="1260000" cy="540000"/>
+          </a:xfrm>
+          <a:prstGeom prst="roundRect">
+            <a:avLst/>
+          </a:prstGeom>
+          <a:solidFill>
+            <a:srgbClr val="CCE7CF"/>
+          </a:solidFill>
+          <a:ln w="38100">
+            <a:solidFill>
+              <a:schemeClr val="tx1"/>
+            </a:solidFill>
+          </a:ln>
+        </p:spPr>
+        <p:style>
+          <a:lnRef idx="2">
+            <a:schemeClr val="accent1">
+              <a:shade val="50000"/>
+            </a:schemeClr>
+          </a:lnRef>
+          <a:fillRef idx="1">
+            <a:schemeClr val="accent1"/>
+          </a:fillRef>
+          <a:effectRef idx="0">
+            <a:schemeClr val="accent1"/>
+          </a:effectRef>
+          <a:fontRef idx="minor">
+            <a:schemeClr val="lt1"/>
+          </a:fontRef>
+        </p:style>
+        <p:txBody>
+          <a:bodyPr rtlCol="0" anchor="ctr"/>
+          <a:lstStyle/>
+          <a:p>
+            <a:pPr algn="ctr"/>
+            <a:r>
+              <a:rPr lang="en-US" altLang="zh-CN" sz="2000">
+                <a:solidFill>
+                  <a:schemeClr val="tx1"/>
+                </a:solidFill>
+                <a:latin typeface="Consolas" panose="020B0609020204030204" pitchFamily="49" charset="0"/>
+                <a:ea typeface="微软雅黑" panose="020B0503020204020204" pitchFamily="34" charset="-122"/>
+                <a:cs typeface="Microsoft Sans Serif" panose="020B0604020202020204" pitchFamily="34" charset="0"/>
+              </a:rPr>
+              <a:t>dataset</a:t>
+            </a:r>
+            <a:endParaRPr lang="zh-CN" altLang="en-US" sz="2000">
+              <a:solidFill>
+                <a:schemeClr val="tx1"/>
+              </a:solidFill>
+              <a:latin typeface="Consolas" panose="020B0609020204030204" pitchFamily="49" charset="0"/>
+              <a:ea typeface="微软雅黑" panose="020B0503020204020204" pitchFamily="34" charset="-122"/>
+              <a:cs typeface="Microsoft Sans Serif" panose="020B0604020202020204" pitchFamily="34" charset="0"/>
+            </a:endParaRPr>
+          </a:p>
+        </p:txBody>
+      </p:sp>
+      <p:sp>
+        <p:nvSpPr>
+          <p:cNvPr id="11" name="矩形: 圆角 10">
+            <a:extLst>
+              <a:ext uri="{FF2B5EF4-FFF2-40B4-BE49-F238E27FC236}">
+                <a16:creationId xmlns:a16="http://schemas.microsoft.com/office/drawing/2014/main" id="{8FBEAE7F-A0A0-4F23-AC3A-A03D040FC157}"/>
+              </a:ext>
+            </a:extLst>
+          </p:cNvPr>
+          <p:cNvSpPr/>
+          <p:nvPr/>
+        </p:nvSpPr>
+        <p:spPr>
+          <a:xfrm>
+            <a:off x="3361500" y="3251905"/>
+            <a:ext cx="2499000" cy="540000"/>
+          </a:xfrm>
+          <a:prstGeom prst="roundRect">
+            <a:avLst/>
+          </a:prstGeom>
+          <a:noFill/>
+          <a:ln w="38100">
+            <a:noFill/>
+          </a:ln>
+        </p:spPr>
+        <p:style>
+          <a:lnRef idx="2">
+            <a:schemeClr val="accent1">
+              <a:shade val="50000"/>
+            </a:schemeClr>
+          </a:lnRef>
+          <a:fillRef idx="1">
+            <a:schemeClr val="accent1"/>
+          </a:fillRef>
+          <a:effectRef idx="0">
+            <a:schemeClr val="accent1"/>
+          </a:effectRef>
+          <a:fontRef idx="minor">
+            <a:schemeClr val="lt1"/>
+          </a:fontRef>
+        </p:style>
+        <p:txBody>
+          <a:bodyPr rtlCol="0" anchor="ctr"/>
+          <a:lstStyle/>
+          <a:p>
+            <a:pPr algn="ctr"/>
+            <a:r>
+              <a:rPr lang="en-US" altLang="zh-CN" sz="2000">
+                <a:solidFill>
+                  <a:schemeClr val="tx1"/>
+                </a:solidFill>
+                <a:latin typeface="Consolas" panose="020B0609020204030204" pitchFamily="49" charset="0"/>
+                <a:ea typeface="微软雅黑" panose="020B0503020204020204" pitchFamily="34" charset="-122"/>
+                <a:cs typeface="Microsoft Sans Serif" panose="020B0604020202020204" pitchFamily="34" charset="0"/>
+              </a:rPr>
+              <a:t>max_seq_len</a:t>
+            </a:r>
+            <a:endParaRPr lang="zh-CN" altLang="en-US" sz="2000">
+              <a:solidFill>
+                <a:schemeClr val="tx1"/>
+              </a:solidFill>
+              <a:latin typeface="Consolas" panose="020B0609020204030204" pitchFamily="49" charset="0"/>
+              <a:ea typeface="微软雅黑" panose="020B0503020204020204" pitchFamily="34" charset="-122"/>
+              <a:cs typeface="Microsoft Sans Serif" panose="020B0604020202020204" pitchFamily="34" charset="0"/>
+            </a:endParaRPr>
+          </a:p>
+        </p:txBody>
+      </p:sp>
+      <p:sp>
+        <p:nvSpPr>
+          <p:cNvPr id="13" name="矩形: 圆角 12">
+            <a:extLst>
+              <a:ext uri="{FF2B5EF4-FFF2-40B4-BE49-F238E27FC236}">
+                <a16:creationId xmlns:a16="http://schemas.microsoft.com/office/drawing/2014/main" id="{008FEE07-557A-4268-A20A-E788DB048F24}"/>
+              </a:ext>
+            </a:extLst>
+          </p:cNvPr>
+          <p:cNvSpPr/>
+          <p:nvPr/>
+        </p:nvSpPr>
+        <p:spPr>
+          <a:xfrm>
+            <a:off x="3870876" y="5148687"/>
+            <a:ext cx="1502659" cy="540000"/>
+          </a:xfrm>
+          <a:prstGeom prst="roundRect">
+            <a:avLst/>
+          </a:prstGeom>
+          <a:solidFill>
+            <a:srgbClr val="CCE7CF"/>
+          </a:solidFill>
+          <a:ln w="38100">
+            <a:solidFill>
+              <a:schemeClr val="tx1"/>
+            </a:solidFill>
+          </a:ln>
+        </p:spPr>
+        <p:style>
+          <a:lnRef idx="2">
+            <a:schemeClr val="accent1">
+              <a:shade val="50000"/>
+            </a:schemeClr>
+          </a:lnRef>
+          <a:fillRef idx="1">
+            <a:schemeClr val="accent1"/>
+          </a:fillRef>
+          <a:effectRef idx="0">
+            <a:schemeClr val="accent1"/>
+          </a:effectRef>
+          <a:fontRef idx="minor">
+            <a:schemeClr val="lt1"/>
+          </a:fontRef>
+        </p:style>
+        <p:txBody>
+          <a:bodyPr rtlCol="0" anchor="ctr"/>
+          <a:lstStyle/>
+          <a:p>
+            <a:pPr algn="ctr"/>
+            <a:r>
+              <a:rPr lang="en-US" altLang="zh-CN" sz="2000">
+                <a:solidFill>
+                  <a:schemeClr val="tx1"/>
+                </a:solidFill>
+                <a:latin typeface="Consolas" panose="020B0609020204030204" pitchFamily="49" charset="0"/>
+                <a:ea typeface="微软雅黑" panose="020B0503020204020204" pitchFamily="34" charset="-122"/>
+                <a:cs typeface="Microsoft Sans Serif" panose="020B0604020202020204" pitchFamily="34" charset="0"/>
+              </a:rPr>
+              <a:t>strategy</a:t>
+            </a:r>
+            <a:endParaRPr lang="zh-CN" altLang="en-US" sz="2000">
+              <a:solidFill>
+                <a:schemeClr val="tx1"/>
+              </a:solidFill>
+              <a:latin typeface="Consolas" panose="020B0609020204030204" pitchFamily="49" charset="0"/>
+              <a:ea typeface="微软雅黑" panose="020B0503020204020204" pitchFamily="34" charset="-122"/>
+              <a:cs typeface="Microsoft Sans Serif" panose="020B0604020202020204" pitchFamily="34" charset="0"/>
+            </a:endParaRPr>
+          </a:p>
+        </p:txBody>
+      </p:sp>
+      <p:sp>
+        <p:nvSpPr>
+          <p:cNvPr id="15" name="矩形: 圆角 14">
+            <a:extLst>
+              <a:ext uri="{FF2B5EF4-FFF2-40B4-BE49-F238E27FC236}">
+                <a16:creationId xmlns:a16="http://schemas.microsoft.com/office/drawing/2014/main" id="{D9ED9089-F6B6-4C9D-A725-A79103A2C2B4}"/>
+              </a:ext>
+            </a:extLst>
+          </p:cNvPr>
+          <p:cNvSpPr/>
+          <p:nvPr/>
+        </p:nvSpPr>
+        <p:spPr>
+          <a:xfrm>
+            <a:off x="3372706" y="4193926"/>
+            <a:ext cx="2499000" cy="540000"/>
+          </a:xfrm>
+          <a:prstGeom prst="roundRect">
+            <a:avLst/>
+          </a:prstGeom>
+          <a:noFill/>
+          <a:ln w="38100">
+            <a:noFill/>
+          </a:ln>
+        </p:spPr>
+        <p:style>
+          <a:lnRef idx="2">
+            <a:schemeClr val="accent1">
+              <a:shade val="50000"/>
+            </a:schemeClr>
+          </a:lnRef>
+          <a:fillRef idx="1">
+            <a:schemeClr val="accent1"/>
+          </a:fillRef>
+          <a:effectRef idx="0">
+            <a:schemeClr val="accent1"/>
+          </a:effectRef>
+          <a:fontRef idx="minor">
+            <a:schemeClr val="lt1"/>
+          </a:fontRef>
+        </p:style>
+        <p:txBody>
+          <a:bodyPr rtlCol="0" anchor="ctr"/>
+          <a:lstStyle/>
+          <a:p>
+            <a:pPr algn="ctr"/>
+            <a:r>
+              <a:rPr lang="en-US" altLang="zh-CN" sz="2000">
+                <a:solidFill>
+                  <a:schemeClr val="tx1"/>
+                </a:solidFill>
+                <a:latin typeface="Consolas" panose="020B0609020204030204" pitchFamily="49" charset="0"/>
+                <a:ea typeface="微软雅黑" panose="020B0503020204020204" pitchFamily="34" charset="-122"/>
+                <a:cs typeface="Microsoft Sans Serif" panose="020B0604020202020204" pitchFamily="34" charset="0"/>
+              </a:rPr>
+              <a:t>num_epoch</a:t>
+            </a:r>
+            <a:endParaRPr lang="zh-CN" altLang="en-US" sz="2000">
+              <a:solidFill>
+                <a:schemeClr val="tx1"/>
+              </a:solidFill>
+              <a:latin typeface="Consolas" panose="020B0609020204030204" pitchFamily="49" charset="0"/>
+              <a:ea typeface="微软雅黑" panose="020B0503020204020204" pitchFamily="34" charset="-122"/>
+              <a:cs typeface="Microsoft Sans Serif" panose="020B0604020202020204" pitchFamily="34" charset="0"/>
+            </a:endParaRPr>
+          </a:p>
+        </p:txBody>
+      </p:sp>
+      <p:sp>
+        <p:nvSpPr>
+          <p:cNvPr id="16" name="矩形: 圆角 15">
+            <a:extLst>
+              <a:ext uri="{FF2B5EF4-FFF2-40B4-BE49-F238E27FC236}">
+                <a16:creationId xmlns:a16="http://schemas.microsoft.com/office/drawing/2014/main" id="{2A2C590C-932A-44B5-8D0A-1B7ADFD22BBF}"/>
+              </a:ext>
+            </a:extLst>
+          </p:cNvPr>
+          <p:cNvSpPr/>
+          <p:nvPr/>
+        </p:nvSpPr>
+        <p:spPr>
+          <a:xfrm>
+            <a:off x="3372706" y="4577206"/>
+            <a:ext cx="2499000" cy="540000"/>
+          </a:xfrm>
+          <a:prstGeom prst="roundRect">
+            <a:avLst/>
+          </a:prstGeom>
+          <a:noFill/>
+          <a:ln w="38100">
+            <a:noFill/>
+          </a:ln>
+        </p:spPr>
+        <p:style>
+          <a:lnRef idx="2">
+            <a:schemeClr val="accent1">
+              <a:shade val="50000"/>
+            </a:schemeClr>
+          </a:lnRef>
+          <a:fillRef idx="1">
+            <a:schemeClr val="accent1"/>
+          </a:fillRef>
+          <a:effectRef idx="0">
+            <a:schemeClr val="accent1"/>
+          </a:effectRef>
+          <a:fontRef idx="minor">
+            <a:schemeClr val="lt1"/>
+          </a:fontRef>
+        </p:style>
+        <p:txBody>
+          <a:bodyPr rtlCol="0" anchor="ctr"/>
+          <a:lstStyle/>
+          <a:p>
+            <a:pPr algn="ctr"/>
+            <a:r>
+              <a:rPr lang="en-US" altLang="zh-CN" sz="2000">
+                <a:solidFill>
+                  <a:schemeClr val="tx1"/>
+                </a:solidFill>
+                <a:latin typeface="Consolas" panose="020B0609020204030204" pitchFamily="49" charset="0"/>
+                <a:ea typeface="微软雅黑" panose="020B0503020204020204" pitchFamily="34" charset="-122"/>
+                <a:cs typeface="Microsoft Sans Serif" panose="020B0604020202020204" pitchFamily="34" charset="0"/>
+              </a:rPr>
+              <a:t>batch_size</a:t>
+            </a:r>
+            <a:endParaRPr lang="zh-CN" altLang="en-US" sz="2000">
+              <a:solidFill>
+                <a:schemeClr val="tx1"/>
+              </a:solidFill>
+              <a:latin typeface="Consolas" panose="020B0609020204030204" pitchFamily="49" charset="0"/>
+              <a:ea typeface="微软雅黑" panose="020B0503020204020204" pitchFamily="34" charset="-122"/>
+              <a:cs typeface="Microsoft Sans Serif" panose="020B0604020202020204" pitchFamily="34" charset="0"/>
+            </a:endParaRPr>
+          </a:p>
+        </p:txBody>
+      </p:sp>
+      <p:sp>
+        <p:nvSpPr>
+          <p:cNvPr id="20" name="矩形: 圆角 19">
+            <a:extLst>
+              <a:ext uri="{FF2B5EF4-FFF2-40B4-BE49-F238E27FC236}">
+                <a16:creationId xmlns:a16="http://schemas.microsoft.com/office/drawing/2014/main" id="{94C5D351-509B-460B-ADDD-C23FE1CB51F3}"/>
+              </a:ext>
+            </a:extLst>
+          </p:cNvPr>
+          <p:cNvSpPr/>
+          <p:nvPr/>
+        </p:nvSpPr>
+        <p:spPr>
+          <a:xfrm>
+            <a:off x="3361500" y="2888174"/>
+            <a:ext cx="2499000" cy="540000"/>
+          </a:xfrm>
+          <a:prstGeom prst="roundRect">
+            <a:avLst/>
+          </a:prstGeom>
+          <a:noFill/>
+          <a:ln w="38100">
+            <a:noFill/>
+          </a:ln>
+        </p:spPr>
+        <p:style>
+          <a:lnRef idx="2">
+            <a:schemeClr val="accent1">
+              <a:shade val="50000"/>
+            </a:schemeClr>
+          </a:lnRef>
+          <a:fillRef idx="1">
+            <a:schemeClr val="accent1"/>
+          </a:fillRef>
+          <a:effectRef idx="0">
+            <a:schemeClr val="accent1"/>
+          </a:effectRef>
+          <a:fontRef idx="minor">
+            <a:schemeClr val="lt1"/>
+          </a:fontRef>
+        </p:style>
+        <p:txBody>
+          <a:bodyPr rtlCol="0" anchor="ctr"/>
+          <a:lstStyle/>
+          <a:p>
+            <a:pPr algn="ctr"/>
+            <a:r>
+              <a:rPr lang="en-US" altLang="zh-CN" sz="2000">
+                <a:solidFill>
+                  <a:schemeClr val="tx1"/>
+                </a:solidFill>
+                <a:latin typeface="Consolas" panose="020B0609020204030204" pitchFamily="49" charset="0"/>
+                <a:ea typeface="微软雅黑" panose="020B0503020204020204" pitchFamily="34" charset="-122"/>
+                <a:cs typeface="Microsoft Sans Serif" panose="020B0604020202020204" pitchFamily="34" charset="0"/>
+              </a:rPr>
+              <a:t>vocab_path</a:t>
+            </a:r>
+            <a:endParaRPr lang="zh-CN" altLang="en-US" sz="2000">
+              <a:solidFill>
+                <a:schemeClr val="tx1"/>
+              </a:solidFill>
+              <a:latin typeface="Consolas" panose="020B0609020204030204" pitchFamily="49" charset="0"/>
+              <a:ea typeface="微软雅黑" panose="020B0503020204020204" pitchFamily="34" charset="-122"/>
+              <a:cs typeface="Microsoft Sans Serif" panose="020B0604020202020204" pitchFamily="34" charset="0"/>
+            </a:endParaRPr>
+          </a:p>
+        </p:txBody>
+      </p:sp>
+      <p:sp>
+        <p:nvSpPr>
+          <p:cNvPr id="21" name="矩形: 圆角 20">
+            <a:extLst>
+              <a:ext uri="{FF2B5EF4-FFF2-40B4-BE49-F238E27FC236}">
+                <a16:creationId xmlns:a16="http://schemas.microsoft.com/office/drawing/2014/main" id="{05EA84EB-EFBD-42E5-921C-6780C35465B3}"/>
+              </a:ext>
+            </a:extLst>
+          </p:cNvPr>
+          <p:cNvSpPr/>
+          <p:nvPr/>
+        </p:nvSpPr>
+        <p:spPr>
+          <a:xfrm>
+            <a:off x="8542283" y="3689375"/>
+            <a:ext cx="1502659" cy="540000"/>
+          </a:xfrm>
+          <a:prstGeom prst="roundRect">
+            <a:avLst/>
+          </a:prstGeom>
+          <a:solidFill>
+            <a:srgbClr val="CCE7CF"/>
+          </a:solidFill>
+          <a:ln w="38100">
+            <a:solidFill>
+              <a:schemeClr val="tx1"/>
+            </a:solidFill>
+          </a:ln>
+        </p:spPr>
+        <p:style>
+          <a:lnRef idx="2">
+            <a:schemeClr val="accent1">
+              <a:shade val="50000"/>
+            </a:schemeClr>
+          </a:lnRef>
+          <a:fillRef idx="1">
+            <a:schemeClr val="accent1"/>
+          </a:fillRef>
+          <a:effectRef idx="0">
+            <a:schemeClr val="accent1"/>
+          </a:effectRef>
+          <a:fontRef idx="minor">
+            <a:schemeClr val="lt1"/>
+          </a:fontRef>
+        </p:style>
+        <p:txBody>
+          <a:bodyPr rtlCol="0" anchor="ctr"/>
+          <a:lstStyle/>
+          <a:p>
+            <a:pPr algn="ctr"/>
+            <a:r>
+              <a:rPr lang="en-US" altLang="zh-CN" sz="2000">
+                <a:solidFill>
+                  <a:schemeClr val="tx1"/>
+                </a:solidFill>
+                <a:latin typeface="Consolas" panose="020B0609020204030204" pitchFamily="49" charset="0"/>
+                <a:ea typeface="微软雅黑" panose="020B0503020204020204" pitchFamily="34" charset="-122"/>
+                <a:cs typeface="Microsoft Sans Serif" panose="020B0604020202020204" pitchFamily="34" charset="0"/>
+              </a:rPr>
+              <a:t>cls_task</a:t>
+            </a:r>
+            <a:endParaRPr lang="zh-CN" altLang="en-US" sz="2000">
+              <a:solidFill>
+                <a:schemeClr val="tx1"/>
+              </a:solidFill>
+              <a:latin typeface="Consolas" panose="020B0609020204030204" pitchFamily="49" charset="0"/>
+              <a:ea typeface="微软雅黑" panose="020B0503020204020204" pitchFamily="34" charset="-122"/>
+              <a:cs typeface="Microsoft Sans Serif" panose="020B0604020202020204" pitchFamily="34" charset="0"/>
+            </a:endParaRPr>
+          </a:p>
+        </p:txBody>
+      </p:sp>
+      <p:cxnSp>
+        <p:nvCxnSpPr>
+          <p:cNvPr id="25" name="直接箭头连接符 24">
+            <a:extLst>
+              <a:ext uri="{FF2B5EF4-FFF2-40B4-BE49-F238E27FC236}">
+                <a16:creationId xmlns:a16="http://schemas.microsoft.com/office/drawing/2014/main" id="{A924B2F0-2E4F-40E1-A237-CC577DA9766C}"/>
+              </a:ext>
+            </a:extLst>
+          </p:cNvPr>
+          <p:cNvCxnSpPr>
+            <a:cxnSpLocks/>
+            <a:stCxn id="30" idx="3"/>
+            <a:endCxn id="13" idx="1"/>
+          </p:cNvCxnSpPr>
+          <p:nvPr/>
+        </p:nvCxnSpPr>
+        <p:spPr>
+          <a:xfrm>
+            <a:off x="3106824" y="5418687"/>
+            <a:ext cx="764052" cy="0"/>
+          </a:xfrm>
+          <a:prstGeom prst="straightConnector1">
+            <a:avLst/>
+          </a:prstGeom>
+          <a:ln w="38100">
+            <a:solidFill>
+              <a:schemeClr val="tx1"/>
+            </a:solidFill>
+            <a:tailEnd type="triangle"/>
+          </a:ln>
+        </p:spPr>
+        <p:style>
+          <a:lnRef idx="1">
+            <a:schemeClr val="accent1"/>
+          </a:lnRef>
+          <a:fillRef idx="0">
+            <a:schemeClr val="accent1"/>
+          </a:fillRef>
+          <a:effectRef idx="0">
+            <a:schemeClr val="accent1"/>
+          </a:effectRef>
+          <a:fontRef idx="minor">
+            <a:schemeClr val="tx1"/>
+          </a:fontRef>
+        </p:style>
+      </p:cxnSp>
+      <p:grpSp>
+        <p:nvGrpSpPr>
+          <p:cNvPr id="35" name="组合 34">
+            <a:extLst>
+              <a:ext uri="{FF2B5EF4-FFF2-40B4-BE49-F238E27FC236}">
+                <a16:creationId xmlns:a16="http://schemas.microsoft.com/office/drawing/2014/main" id="{F396DEC8-3800-4EBB-BC6F-80C4F6528B88}"/>
+              </a:ext>
+            </a:extLst>
+          </p:cNvPr>
+          <p:cNvGrpSpPr/>
+          <p:nvPr/>
+        </p:nvGrpSpPr>
+        <p:grpSpPr>
+          <a:xfrm>
+            <a:off x="437206" y="4632108"/>
+            <a:ext cx="2790000" cy="1573158"/>
+            <a:chOff x="603775" y="4635533"/>
+            <a:chExt cx="2790000" cy="1573158"/>
+          </a:xfrm>
+        </p:grpSpPr>
+        <p:sp>
+          <p:nvSpPr>
+            <p:cNvPr id="9" name="矩形: 圆角 8">
+              <a:extLst>
+                <a:ext uri="{FF2B5EF4-FFF2-40B4-BE49-F238E27FC236}">
+                  <a16:creationId xmlns:a16="http://schemas.microsoft.com/office/drawing/2014/main" id="{59A61821-6B8C-4A0E-8101-48437F5100ED}"/>
+                </a:ext>
+              </a:extLst>
+            </p:cNvPr>
+            <p:cNvSpPr/>
+            <p:nvPr/>
+          </p:nvSpPr>
+          <p:spPr>
+            <a:xfrm>
+              <a:off x="603775" y="4746216"/>
+              <a:ext cx="2790000" cy="1303963"/>
+            </a:xfrm>
+            <a:prstGeom prst="roundRect">
+              <a:avLst/>
+            </a:prstGeom>
+            <a:noFill/>
+            <a:ln w="38100">
+              <a:noFill/>
+              <a:prstDash val="sysDot"/>
+            </a:ln>
+          </p:spPr>
+          <p:style>
+            <a:lnRef idx="2">
+              <a:schemeClr val="accent1">
+                <a:shade val="50000"/>
+              </a:schemeClr>
+            </a:lnRef>
+            <a:fillRef idx="1">
+              <a:schemeClr val="accent1"/>
+            </a:fillRef>
+            <a:effectRef idx="0">
+              <a:schemeClr val="accent1"/>
+            </a:effectRef>
+            <a:fontRef idx="minor">
+              <a:schemeClr val="lt1"/>
+            </a:fontRef>
+          </p:style>
+          <p:txBody>
+            <a:bodyPr rtlCol="0" anchor="ctr"/>
+            <a:lstStyle/>
+            <a:p>
+              <a:pPr algn="ctr"/>
+              <a:r>
+                <a:rPr lang="en-US" altLang="zh-CN" sz="2000">
+                  <a:solidFill>
+                    <a:schemeClr val="tx1"/>
+                  </a:solidFill>
+                  <a:latin typeface="Consolas" panose="020B0609020204030204" pitchFamily="49" charset="0"/>
+                  <a:ea typeface="微软雅黑" panose="020B0503020204020204" pitchFamily="34" charset="-122"/>
+                  <a:cs typeface="Microsoft Sans Serif" panose="020B0604020202020204" pitchFamily="34" charset="0"/>
+                </a:rPr>
+                <a:t>learning_rate</a:t>
+              </a:r>
+            </a:p>
+            <a:p>
+              <a:pPr algn="ctr"/>
+              <a:r>
+                <a:rPr lang="en-US" altLang="zh-CN" sz="2000">
+                  <a:solidFill>
+                    <a:schemeClr val="tx1"/>
+                  </a:solidFill>
+                  <a:latin typeface="Consolas" panose="020B0609020204030204" pitchFamily="49" charset="0"/>
+                  <a:ea typeface="微软雅黑" panose="020B0503020204020204" pitchFamily="34" charset="-122"/>
+                  <a:cs typeface="Microsoft Sans Serif" panose="020B0604020202020204" pitchFamily="34" charset="0"/>
+                </a:rPr>
+                <a:t>weight_decay</a:t>
+              </a:r>
+            </a:p>
+            <a:p>
+              <a:pPr algn="ctr"/>
+              <a:r>
+                <a:rPr lang="en-US" altLang="zh-CN" sz="2000">
+                  <a:solidFill>
+                    <a:schemeClr val="tx1"/>
+                  </a:solidFill>
+                  <a:latin typeface="Consolas" panose="020B0609020204030204" pitchFamily="49" charset="0"/>
+                  <a:ea typeface="微软雅黑" panose="020B0503020204020204" pitchFamily="34" charset="-122"/>
+                  <a:cs typeface="Microsoft Sans Serif" panose="020B0604020202020204" pitchFamily="34" charset="0"/>
+                </a:rPr>
+                <a:t>warmup_proportion</a:t>
+              </a:r>
+              <a:endParaRPr lang="zh-CN" altLang="en-US" sz="2000">
+                <a:solidFill>
+                  <a:schemeClr val="tx1"/>
+                </a:solidFill>
+                <a:latin typeface="Consolas" panose="020B0609020204030204" pitchFamily="49" charset="0"/>
+                <a:ea typeface="微软雅黑" panose="020B0503020204020204" pitchFamily="34" charset="-122"/>
+                <a:cs typeface="Microsoft Sans Serif" panose="020B0604020202020204" pitchFamily="34" charset="0"/>
+              </a:endParaRPr>
+            </a:p>
+            <a:p>
+              <a:pPr algn="ctr"/>
+              <a:r>
+                <a:rPr lang="en-US" altLang="zh-CN" sz="2000">
+                  <a:solidFill>
+                    <a:schemeClr val="tx1"/>
+                  </a:solidFill>
+                  <a:latin typeface="Consolas" panose="020B0609020204030204" pitchFamily="49" charset="0"/>
+                  <a:ea typeface="微软雅黑" panose="020B0503020204020204" pitchFamily="34" charset="-122"/>
+                  <a:cs typeface="Microsoft Sans Serif" panose="020B0604020202020204" pitchFamily="34" charset="0"/>
+                </a:rPr>
+                <a:t>lr_scheduler</a:t>
+              </a:r>
+              <a:endParaRPr lang="zh-CN" altLang="en-US" sz="2000">
+                <a:solidFill>
+                  <a:schemeClr val="tx1"/>
+                </a:solidFill>
+                <a:latin typeface="Consolas" panose="020B0609020204030204" pitchFamily="49" charset="0"/>
+                <a:ea typeface="微软雅黑" panose="020B0503020204020204" pitchFamily="34" charset="-122"/>
+                <a:cs typeface="Microsoft Sans Serif" panose="020B0604020202020204" pitchFamily="34" charset="0"/>
+              </a:endParaRPr>
+            </a:p>
+          </p:txBody>
+        </p:sp>
+        <p:sp>
+          <p:nvSpPr>
+            <p:cNvPr id="30" name="矩形: 圆角 29">
+              <a:extLst>
+                <a:ext uri="{FF2B5EF4-FFF2-40B4-BE49-F238E27FC236}">
+                  <a16:creationId xmlns:a16="http://schemas.microsoft.com/office/drawing/2014/main" id="{AAA4F813-99FD-48EF-8CE3-5A8992A46026}"/>
+                </a:ext>
+              </a:extLst>
+            </p:cNvPr>
+            <p:cNvSpPr/>
+            <p:nvPr/>
+          </p:nvSpPr>
+          <p:spPr>
+            <a:xfrm>
+              <a:off x="774393" y="4635533"/>
+              <a:ext cx="2499000" cy="1573158"/>
+            </a:xfrm>
+            <a:prstGeom prst="roundRect">
+              <a:avLst/>
+            </a:prstGeom>
+            <a:noFill/>
+            <a:ln w="38100">
+              <a:solidFill>
+                <a:schemeClr val="tx1"/>
+              </a:solidFill>
+              <a:prstDash val="sysDash"/>
+            </a:ln>
+          </p:spPr>
+          <p:style>
+            <a:lnRef idx="2">
+              <a:schemeClr val="accent1">
+                <a:shade val="50000"/>
+              </a:schemeClr>
+            </a:lnRef>
+            <a:fillRef idx="1">
+              <a:schemeClr val="accent1"/>
+            </a:fillRef>
+            <a:effectRef idx="0">
+              <a:schemeClr val="accent1"/>
+            </a:effectRef>
+            <a:fontRef idx="minor">
+              <a:schemeClr val="lt1"/>
+            </a:fontRef>
+          </p:style>
+          <p:txBody>
+            <a:bodyPr rtlCol="0" anchor="ctr"/>
+            <a:lstStyle/>
+            <a:p>
+              <a:pPr algn="ctr"/>
+              <a:endParaRPr lang="zh-CN" altLang="en-US"/>
+            </a:p>
+          </p:txBody>
+        </p:sp>
+      </p:grpSp>
+      <p:sp>
+        <p:nvSpPr>
+          <p:cNvPr id="37" name="矩形: 圆角 36">
+            <a:extLst>
+              <a:ext uri="{FF2B5EF4-FFF2-40B4-BE49-F238E27FC236}">
+                <a16:creationId xmlns:a16="http://schemas.microsoft.com/office/drawing/2014/main" id="{B149D9DB-F728-42D9-97EF-29A552B1D765}"/>
+              </a:ext>
+            </a:extLst>
+          </p:cNvPr>
+          <p:cNvSpPr/>
+          <p:nvPr/>
+        </p:nvSpPr>
+        <p:spPr>
+          <a:xfrm>
+            <a:off x="3640939" y="4238685"/>
+            <a:ext cx="1838673" cy="1573158"/>
+          </a:xfrm>
+          <a:prstGeom prst="roundRect">
+            <a:avLst/>
+          </a:prstGeom>
+          <a:noFill/>
+          <a:ln w="38100">
+            <a:solidFill>
+              <a:schemeClr val="tx1"/>
+            </a:solidFill>
+            <a:prstDash val="sysDash"/>
+          </a:ln>
+        </p:spPr>
+        <p:style>
+          <a:lnRef idx="2">
+            <a:schemeClr val="accent1">
+              <a:shade val="50000"/>
+            </a:schemeClr>
+          </a:lnRef>
+          <a:fillRef idx="1">
+            <a:schemeClr val="accent1"/>
+          </a:fillRef>
+          <a:effectRef idx="0">
+            <a:schemeClr val="accent1"/>
+          </a:effectRef>
+          <a:fontRef idx="minor">
+            <a:schemeClr val="lt1"/>
+          </a:fontRef>
+        </p:style>
+        <p:txBody>
+          <a:bodyPr rtlCol="0" anchor="ctr"/>
+          <a:lstStyle/>
+          <a:p>
+            <a:pPr algn="ctr"/>
+            <a:endParaRPr lang="zh-CN" altLang="en-US"/>
+          </a:p>
+        </p:txBody>
+      </p:sp>
+      <p:sp>
+        <p:nvSpPr>
+          <p:cNvPr id="38" name="矩形: 圆角 37">
+            <a:extLst>
+              <a:ext uri="{FF2B5EF4-FFF2-40B4-BE49-F238E27FC236}">
+                <a16:creationId xmlns:a16="http://schemas.microsoft.com/office/drawing/2014/main" id="{07479167-6F0A-4F7C-8C17-BC64DE976BA8}"/>
+              </a:ext>
+            </a:extLst>
+          </p:cNvPr>
+          <p:cNvSpPr/>
+          <p:nvPr/>
+        </p:nvSpPr>
+        <p:spPr>
+          <a:xfrm>
+            <a:off x="3756000" y="2236024"/>
+            <a:ext cx="1707121" cy="1573158"/>
+          </a:xfrm>
+          <a:prstGeom prst="roundRect">
+            <a:avLst/>
+          </a:prstGeom>
+          <a:noFill/>
+          <a:ln w="38100">
+            <a:solidFill>
+              <a:schemeClr val="tx1"/>
+            </a:solidFill>
+            <a:prstDash val="sysDash"/>
+          </a:ln>
+        </p:spPr>
+        <p:style>
+          <a:lnRef idx="2">
+            <a:schemeClr val="accent1">
+              <a:shade val="50000"/>
+            </a:schemeClr>
+          </a:lnRef>
+          <a:fillRef idx="1">
+            <a:schemeClr val="accent1"/>
+          </a:fillRef>
+          <a:effectRef idx="0">
+            <a:schemeClr val="accent1"/>
+          </a:effectRef>
+          <a:fontRef idx="minor">
+            <a:schemeClr val="lt1"/>
+          </a:fontRef>
+        </p:style>
+        <p:txBody>
+          <a:bodyPr rtlCol="0" anchor="ctr"/>
+          <a:lstStyle/>
+          <a:p>
+            <a:pPr algn="ctr"/>
+            <a:endParaRPr lang="zh-CN" altLang="en-US"/>
+          </a:p>
+        </p:txBody>
+      </p:sp>
+      <p:sp>
+        <p:nvSpPr>
+          <p:cNvPr id="23" name="矩形: 圆角 22">
+            <a:extLst>
+              <a:ext uri="{FF2B5EF4-FFF2-40B4-BE49-F238E27FC236}">
+                <a16:creationId xmlns:a16="http://schemas.microsoft.com/office/drawing/2014/main" id="{6DC9B812-7C01-4556-AB6C-1C7858D4D6A8}"/>
+              </a:ext>
+            </a:extLst>
+          </p:cNvPr>
+          <p:cNvSpPr/>
+          <p:nvPr/>
+        </p:nvSpPr>
+        <p:spPr>
+          <a:xfrm>
+            <a:off x="6358181" y="3425681"/>
+            <a:ext cx="1038186" cy="414782"/>
+          </a:xfrm>
+          <a:prstGeom prst="roundRect">
+            <a:avLst/>
+          </a:prstGeom>
+          <a:noFill/>
+          <a:ln w="38100">
+            <a:noFill/>
+          </a:ln>
+        </p:spPr>
+        <p:style>
+          <a:lnRef idx="2">
+            <a:schemeClr val="accent1">
+              <a:shade val="50000"/>
+            </a:schemeClr>
+          </a:lnRef>
+          <a:fillRef idx="1">
+            <a:schemeClr val="accent1"/>
+          </a:fillRef>
+          <a:effectRef idx="0">
+            <a:schemeClr val="accent1"/>
+          </a:effectRef>
+          <a:fontRef idx="minor">
+            <a:schemeClr val="lt1"/>
+          </a:fontRef>
+        </p:style>
+        <p:txBody>
+          <a:bodyPr lIns="0" tIns="0" rIns="0" bIns="0" rtlCol="0" anchor="ctr"/>
+          <a:lstStyle/>
+          <a:p>
+            <a:pPr algn="ctr"/>
+            <a:r>
+              <a:rPr lang="en-US" altLang="zh-CN" sz="2000">
+                <a:solidFill>
+                  <a:schemeClr val="tx1"/>
+                </a:solidFill>
+                <a:latin typeface="Consolas" panose="020B0609020204030204" pitchFamily="49" charset="0"/>
+                <a:ea typeface="微软雅黑" panose="020B0503020204020204" pitchFamily="34" charset="-122"/>
+                <a:cs typeface="Microsoft Sans Serif" panose="020B0604020202020204" pitchFamily="34" charset="0"/>
+              </a:rPr>
+              <a:t>feature</a:t>
+            </a:r>
+          </a:p>
+        </p:txBody>
+      </p:sp>
+      <p:grpSp>
+        <p:nvGrpSpPr>
+          <p:cNvPr id="41" name="组合 40">
+            <a:extLst>
+              <a:ext uri="{FF2B5EF4-FFF2-40B4-BE49-F238E27FC236}">
+                <a16:creationId xmlns:a16="http://schemas.microsoft.com/office/drawing/2014/main" id="{FE79DDF5-1F09-4700-8693-17041DB8D341}"/>
+              </a:ext>
+            </a:extLst>
+          </p:cNvPr>
+          <p:cNvGrpSpPr/>
+          <p:nvPr/>
+        </p:nvGrpSpPr>
+        <p:grpSpPr>
+          <a:xfrm>
+            <a:off x="6014742" y="2562326"/>
+            <a:ext cx="1946878" cy="2794099"/>
+            <a:chOff x="5634271" y="2582027"/>
+            <a:chExt cx="1946878" cy="2794099"/>
+          </a:xfrm>
+        </p:grpSpPr>
+        <p:sp>
+          <p:nvSpPr>
+            <p:cNvPr id="10" name="矩形: 圆角 9">
+              <a:extLst>
+                <a:ext uri="{FF2B5EF4-FFF2-40B4-BE49-F238E27FC236}">
+                  <a16:creationId xmlns:a16="http://schemas.microsoft.com/office/drawing/2014/main" id="{7B605C02-BF9C-4344-BB89-920E09E5AF7F}"/>
+                </a:ext>
+              </a:extLst>
+            </p:cNvPr>
+            <p:cNvSpPr/>
+            <p:nvPr/>
+          </p:nvSpPr>
+          <p:spPr>
+            <a:xfrm>
+              <a:off x="5965163" y="2837969"/>
+              <a:ext cx="1260000" cy="540000"/>
+            </a:xfrm>
+            <a:prstGeom prst="roundRect">
+              <a:avLst/>
+            </a:prstGeom>
+            <a:solidFill>
+              <a:srgbClr val="CCE7CF"/>
+            </a:solidFill>
+            <a:ln w="38100">
+              <a:solidFill>
+                <a:schemeClr val="tx1"/>
+              </a:solidFill>
+            </a:ln>
+          </p:spPr>
+          <p:style>
+            <a:lnRef idx="2">
+              <a:schemeClr val="accent1">
+                <a:shade val="50000"/>
+              </a:schemeClr>
+            </a:lnRef>
+            <a:fillRef idx="1">
+              <a:schemeClr val="accent1"/>
+            </a:fillRef>
+            <a:effectRef idx="0">
+              <a:schemeClr val="accent1"/>
+            </a:effectRef>
+            <a:fontRef idx="minor">
+              <a:schemeClr val="lt1"/>
+            </a:fontRef>
+          </p:style>
+          <p:txBody>
+            <a:bodyPr rtlCol="0" anchor="ctr"/>
+            <a:lstStyle/>
+            <a:p>
+              <a:pPr algn="ctr"/>
+              <a:r>
+                <a:rPr lang="en-US" altLang="zh-CN" sz="2000">
+                  <a:solidFill>
+                    <a:schemeClr val="tx1"/>
+                  </a:solidFill>
+                  <a:latin typeface="Consolas" panose="020B0609020204030204" pitchFamily="49" charset="0"/>
+                  <a:ea typeface="微软雅黑" panose="020B0503020204020204" pitchFamily="34" charset="-122"/>
+                  <a:cs typeface="Microsoft Sans Serif" panose="020B0604020202020204" pitchFamily="34" charset="0"/>
+                </a:rPr>
+                <a:t>reader</a:t>
+              </a:r>
+              <a:endParaRPr lang="zh-CN" altLang="en-US" sz="2000">
+                <a:solidFill>
+                  <a:schemeClr val="tx1"/>
+                </a:solidFill>
+                <a:latin typeface="Consolas" panose="020B0609020204030204" pitchFamily="49" charset="0"/>
+                <a:ea typeface="微软雅黑" panose="020B0503020204020204" pitchFamily="34" charset="-122"/>
+                <a:cs typeface="Microsoft Sans Serif" panose="020B0604020202020204" pitchFamily="34" charset="0"/>
+              </a:endParaRPr>
+            </a:p>
+          </p:txBody>
+        </p:sp>
+        <p:sp>
+          <p:nvSpPr>
+            <p:cNvPr id="14" name="矩形: 圆角 13">
+              <a:extLst>
+                <a:ext uri="{FF2B5EF4-FFF2-40B4-BE49-F238E27FC236}">
+                  <a16:creationId xmlns:a16="http://schemas.microsoft.com/office/drawing/2014/main" id="{E197EC7A-0A9B-45F6-B467-C1B271CC3876}"/>
+                </a:ext>
+              </a:extLst>
+            </p:cNvPr>
+            <p:cNvSpPr/>
+            <p:nvPr/>
+          </p:nvSpPr>
+          <p:spPr>
+            <a:xfrm>
+              <a:off x="5977710" y="4602063"/>
+              <a:ext cx="1259999" cy="540000"/>
+            </a:xfrm>
+            <a:prstGeom prst="roundRect">
+              <a:avLst/>
+            </a:prstGeom>
+            <a:solidFill>
+              <a:srgbClr val="CCE7CF"/>
+            </a:solidFill>
+            <a:ln w="38100">
+              <a:solidFill>
+                <a:schemeClr val="tx1"/>
+              </a:solidFill>
+            </a:ln>
+          </p:spPr>
+          <p:style>
+            <a:lnRef idx="2">
+              <a:schemeClr val="accent1">
+                <a:shade val="50000"/>
+              </a:schemeClr>
+            </a:lnRef>
+            <a:fillRef idx="1">
+              <a:schemeClr val="accent1"/>
+            </a:fillRef>
+            <a:effectRef idx="0">
+              <a:schemeClr val="accent1"/>
+            </a:effectRef>
+            <a:fontRef idx="minor">
+              <a:schemeClr val="lt1"/>
+            </a:fontRef>
+          </p:style>
+          <p:txBody>
+            <a:bodyPr rtlCol="0" anchor="ctr"/>
+            <a:lstStyle/>
+            <a:p>
+              <a:pPr algn="ctr"/>
+              <a:r>
+                <a:rPr lang="en-US" altLang="zh-CN" sz="2000">
+                  <a:solidFill>
+                    <a:schemeClr val="tx1"/>
+                  </a:solidFill>
+                  <a:latin typeface="Consolas" panose="020B0609020204030204" pitchFamily="49" charset="0"/>
+                  <a:ea typeface="微软雅黑" panose="020B0503020204020204" pitchFamily="34" charset="-122"/>
+                  <a:cs typeface="Microsoft Sans Serif" panose="020B0604020202020204" pitchFamily="34" charset="0"/>
+                </a:rPr>
+                <a:t>config</a:t>
+              </a:r>
+              <a:endParaRPr lang="zh-CN" altLang="en-US" sz="2000">
+                <a:solidFill>
+                  <a:schemeClr val="tx1"/>
+                </a:solidFill>
+                <a:latin typeface="Consolas" panose="020B0609020204030204" pitchFamily="49" charset="0"/>
+                <a:ea typeface="微软雅黑" panose="020B0503020204020204" pitchFamily="34" charset="-122"/>
+                <a:cs typeface="Microsoft Sans Serif" panose="020B0604020202020204" pitchFamily="34" charset="0"/>
+              </a:endParaRPr>
+            </a:p>
+          </p:txBody>
+        </p:sp>
+        <p:sp>
+          <p:nvSpPr>
+            <p:cNvPr id="24" name="矩形: 圆角 23">
+              <a:extLst>
+                <a:ext uri="{FF2B5EF4-FFF2-40B4-BE49-F238E27FC236}">
+                  <a16:creationId xmlns:a16="http://schemas.microsoft.com/office/drawing/2014/main" id="{CC0C5220-64F5-4488-8F1F-56C24D7D1B9E}"/>
+                </a:ext>
+              </a:extLst>
+            </p:cNvPr>
+            <p:cNvSpPr/>
+            <p:nvPr/>
+          </p:nvSpPr>
+          <p:spPr>
+            <a:xfrm>
+              <a:off x="5725160" y="3773154"/>
+              <a:ext cx="1525344" cy="540000"/>
+            </a:xfrm>
+            <a:prstGeom prst="roundRect">
+              <a:avLst/>
+            </a:prstGeom>
+            <a:noFill/>
+            <a:ln w="38100">
+              <a:noFill/>
+            </a:ln>
+          </p:spPr>
+          <p:style>
+            <a:lnRef idx="2">
+              <a:schemeClr val="accent1">
+                <a:shade val="50000"/>
+              </a:schemeClr>
+            </a:lnRef>
+            <a:fillRef idx="1">
+              <a:schemeClr val="accent1"/>
+            </a:fillRef>
+            <a:effectRef idx="0">
+              <a:schemeClr val="accent1"/>
+            </a:effectRef>
+            <a:fontRef idx="minor">
+              <a:schemeClr val="lt1"/>
+            </a:fontRef>
+          </p:style>
+          <p:txBody>
+            <a:bodyPr rtlCol="0" anchor="ctr"/>
+            <a:lstStyle/>
+            <a:p>
+              <a:pPr algn="ctr"/>
+              <a:endParaRPr lang="zh-CN" altLang="en-US" sz="2000">
+                <a:solidFill>
+                  <a:schemeClr val="tx1"/>
+                </a:solidFill>
+                <a:latin typeface="Consolas" panose="020B0609020204030204" pitchFamily="49" charset="0"/>
+                <a:ea typeface="微软雅黑" panose="020B0503020204020204" pitchFamily="34" charset="-122"/>
+                <a:cs typeface="Microsoft Sans Serif" panose="020B0604020202020204" pitchFamily="34" charset="0"/>
+              </a:endParaRPr>
+            </a:p>
+          </p:txBody>
+        </p:sp>
+        <p:sp>
+          <p:nvSpPr>
+            <p:cNvPr id="40" name="矩形: 圆角 39">
+              <a:extLst>
+                <a:ext uri="{FF2B5EF4-FFF2-40B4-BE49-F238E27FC236}">
+                  <a16:creationId xmlns:a16="http://schemas.microsoft.com/office/drawing/2014/main" id="{3FA8F36B-9AD1-4D97-B9F6-15A8C82928FB}"/>
+                </a:ext>
+              </a:extLst>
+            </p:cNvPr>
+            <p:cNvSpPr/>
+            <p:nvPr/>
+          </p:nvSpPr>
+          <p:spPr>
+            <a:xfrm>
+              <a:off x="5634271" y="2582027"/>
+              <a:ext cx="1946878" cy="2794099"/>
+            </a:xfrm>
+            <a:prstGeom prst="roundRect">
+              <a:avLst/>
+            </a:prstGeom>
+            <a:noFill/>
+            <a:ln w="38100">
+              <a:solidFill>
+                <a:schemeClr val="tx1"/>
+              </a:solidFill>
+              <a:prstDash val="sysDash"/>
+            </a:ln>
+          </p:spPr>
+          <p:style>
+            <a:lnRef idx="2">
+              <a:schemeClr val="accent1">
+                <a:shade val="50000"/>
+              </a:schemeClr>
+            </a:lnRef>
+            <a:fillRef idx="1">
+              <a:schemeClr val="accent1"/>
+            </a:fillRef>
+            <a:effectRef idx="0">
+              <a:schemeClr val="accent1"/>
+            </a:effectRef>
+            <a:fontRef idx="minor">
+              <a:schemeClr val="lt1"/>
+            </a:fontRef>
+          </p:style>
+          <p:txBody>
+            <a:bodyPr rtlCol="0" anchor="ctr"/>
+            <a:lstStyle/>
+            <a:p>
+              <a:pPr algn="ctr"/>
+              <a:endParaRPr lang="zh-CN" altLang="en-US"/>
+            </a:p>
+          </p:txBody>
+        </p:sp>
+      </p:grpSp>
+      <p:cxnSp>
+        <p:nvCxnSpPr>
+          <p:cNvPr id="43" name="直接箭头连接符 42">
+            <a:extLst>
+              <a:ext uri="{FF2B5EF4-FFF2-40B4-BE49-F238E27FC236}">
+                <a16:creationId xmlns:a16="http://schemas.microsoft.com/office/drawing/2014/main" id="{5202C374-003D-48D7-8DED-99227D013D23}"/>
+              </a:ext>
+            </a:extLst>
+          </p:cNvPr>
+          <p:cNvCxnSpPr>
+            <a:cxnSpLocks/>
+            <a:stCxn id="37" idx="3"/>
+            <a:endCxn id="14" idx="1"/>
+          </p:cNvCxnSpPr>
+          <p:nvPr/>
+        </p:nvCxnSpPr>
+        <p:spPr>
+          <a:xfrm flipV="1">
+            <a:off x="5479612" y="4852362"/>
+            <a:ext cx="878569" cy="172902"/>
+          </a:xfrm>
+          <a:prstGeom prst="straightConnector1">
+            <a:avLst/>
+          </a:prstGeom>
+          <a:ln w="38100">
+            <a:solidFill>
+              <a:schemeClr val="tx1"/>
+            </a:solidFill>
+            <a:tailEnd type="triangle"/>
+          </a:ln>
+        </p:spPr>
+        <p:style>
+          <a:lnRef idx="1">
+            <a:schemeClr val="accent1"/>
+          </a:lnRef>
+          <a:fillRef idx="0">
+            <a:schemeClr val="accent1"/>
+          </a:fillRef>
+          <a:effectRef idx="0">
+            <a:schemeClr val="accent1"/>
+          </a:effectRef>
+          <a:fontRef idx="minor">
+            <a:schemeClr val="tx1"/>
+          </a:fontRef>
+        </p:style>
+      </p:cxnSp>
+      <p:cxnSp>
+        <p:nvCxnSpPr>
+          <p:cNvPr id="47" name="直接箭头连接符 46">
+            <a:extLst>
+              <a:ext uri="{FF2B5EF4-FFF2-40B4-BE49-F238E27FC236}">
+                <a16:creationId xmlns:a16="http://schemas.microsoft.com/office/drawing/2014/main" id="{D406E896-E37F-4B83-BA9D-A34D0E79FE29}"/>
+              </a:ext>
+            </a:extLst>
+          </p:cNvPr>
+          <p:cNvCxnSpPr>
+            <a:cxnSpLocks/>
+            <a:stCxn id="38" idx="3"/>
+            <a:endCxn id="10" idx="1"/>
+          </p:cNvCxnSpPr>
+          <p:nvPr/>
+        </p:nvCxnSpPr>
+        <p:spPr>
+          <a:xfrm>
+            <a:off x="5463121" y="3022603"/>
+            <a:ext cx="882513" cy="65665"/>
+          </a:xfrm>
+          <a:prstGeom prst="straightConnector1">
+            <a:avLst/>
+          </a:prstGeom>
+          <a:ln w="38100">
+            <a:solidFill>
+              <a:schemeClr val="tx1"/>
+            </a:solidFill>
+            <a:tailEnd type="triangle"/>
+          </a:ln>
+        </p:spPr>
+        <p:style>
+          <a:lnRef idx="1">
+            <a:schemeClr val="accent1"/>
+          </a:lnRef>
+          <a:fillRef idx="0">
+            <a:schemeClr val="accent1"/>
+          </a:fillRef>
+          <a:effectRef idx="0">
+            <a:schemeClr val="accent1"/>
+          </a:effectRef>
+          <a:fontRef idx="minor">
+            <a:schemeClr val="tx1"/>
+          </a:fontRef>
+        </p:style>
+      </p:cxnSp>
+      <p:cxnSp>
+        <p:nvCxnSpPr>
+          <p:cNvPr id="50" name="直接箭头连接符 49">
+            <a:extLst>
+              <a:ext uri="{FF2B5EF4-FFF2-40B4-BE49-F238E27FC236}">
+                <a16:creationId xmlns:a16="http://schemas.microsoft.com/office/drawing/2014/main" id="{69575F99-8C20-4BF9-869D-26650F33D36B}"/>
+              </a:ext>
+            </a:extLst>
+          </p:cNvPr>
+          <p:cNvCxnSpPr>
+            <a:cxnSpLocks/>
+            <a:stCxn id="40" idx="3"/>
+            <a:endCxn id="21" idx="1"/>
+          </p:cNvCxnSpPr>
+          <p:nvPr/>
+        </p:nvCxnSpPr>
+        <p:spPr>
+          <a:xfrm flipV="1">
+            <a:off x="7961620" y="3959375"/>
+            <a:ext cx="580663" cy="1"/>
+          </a:xfrm>
+          <a:prstGeom prst="straightConnector1">
+            <a:avLst/>
+          </a:prstGeom>
+          <a:ln w="38100">
+            <a:solidFill>
+              <a:schemeClr val="tx1"/>
+            </a:solidFill>
+            <a:tailEnd type="triangle"/>
+          </a:ln>
+        </p:spPr>
+        <p:style>
+          <a:lnRef idx="1">
+            <a:schemeClr val="accent1"/>
+          </a:lnRef>
+          <a:fillRef idx="0">
+            <a:schemeClr val="accent1"/>
+          </a:fillRef>
+          <a:effectRef idx="0">
+            <a:schemeClr val="accent1"/>
+          </a:effectRef>
+          <a:fontRef idx="minor">
+            <a:schemeClr val="tx1"/>
+          </a:fontRef>
+        </p:style>
+      </p:cxnSp>
+      <p:sp>
+        <p:nvSpPr>
+          <p:cNvPr id="64" name="矩形: 圆角 63">
+            <a:extLst>
+              <a:ext uri="{FF2B5EF4-FFF2-40B4-BE49-F238E27FC236}">
+                <a16:creationId xmlns:a16="http://schemas.microsoft.com/office/drawing/2014/main" id="{B4BADF7D-CB7B-426D-AD84-589229C48850}"/>
+              </a:ext>
+            </a:extLst>
+          </p:cNvPr>
+          <p:cNvSpPr/>
+          <p:nvPr/>
+        </p:nvSpPr>
+        <p:spPr>
+          <a:xfrm>
+            <a:off x="6285439" y="4056413"/>
+            <a:ext cx="1579460" cy="428839"/>
+          </a:xfrm>
+          <a:prstGeom prst="roundRect">
+            <a:avLst/>
+          </a:prstGeom>
+          <a:noFill/>
+          <a:ln w="38100">
+            <a:noFill/>
+          </a:ln>
+        </p:spPr>
+        <p:style>
+          <a:lnRef idx="2">
+            <a:schemeClr val="accent1">
+              <a:shade val="50000"/>
+            </a:schemeClr>
+          </a:lnRef>
+          <a:fillRef idx="1">
+            <a:schemeClr val="accent1"/>
+          </a:fillRef>
+          <a:effectRef idx="0">
+            <a:schemeClr val="accent1"/>
+          </a:effectRef>
+          <a:fontRef idx="minor">
+            <a:schemeClr val="lt1"/>
+          </a:fontRef>
+        </p:style>
+        <p:txBody>
+          <a:bodyPr lIns="0" tIns="0" rIns="0" bIns="0" rtlCol="0" anchor="ctr"/>
+          <a:lstStyle/>
+          <a:p>
+            <a:pPr algn="ctr"/>
+            <a:r>
+              <a:rPr lang="en-US" altLang="zh-CN" sz="2000">
+                <a:solidFill>
+                  <a:schemeClr val="tx1"/>
+                </a:solidFill>
+                <a:latin typeface="Consolas" panose="020B0609020204030204" pitchFamily="49" charset="0"/>
+                <a:ea typeface="微软雅黑" panose="020B0503020204020204" pitchFamily="34" charset="-122"/>
+                <a:cs typeface="Microsoft Sans Serif" panose="020B0604020202020204" pitchFamily="34" charset="0"/>
+              </a:rPr>
+              <a:t>num_classes</a:t>
+            </a:r>
+            <a:endParaRPr lang="zh-CN" altLang="en-US" sz="2000">
+              <a:solidFill>
+                <a:schemeClr val="tx1"/>
+              </a:solidFill>
+              <a:latin typeface="Consolas" panose="020B0609020204030204" pitchFamily="49" charset="0"/>
+              <a:ea typeface="微软雅黑" panose="020B0503020204020204" pitchFamily="34" charset="-122"/>
+              <a:cs typeface="Microsoft Sans Serif" panose="020B0604020202020204" pitchFamily="34" charset="0"/>
+            </a:endParaRPr>
+          </a:p>
+        </p:txBody>
+      </p:sp>
+      <p:sp>
+        <p:nvSpPr>
+          <p:cNvPr id="65" name="矩形: 圆角 64">
+            <a:extLst>
+              <a:ext uri="{FF2B5EF4-FFF2-40B4-BE49-F238E27FC236}">
+                <a16:creationId xmlns:a16="http://schemas.microsoft.com/office/drawing/2014/main" id="{5AF69F1B-3876-4F47-B8B2-B547FFE90B34}"/>
+              </a:ext>
+            </a:extLst>
+          </p:cNvPr>
+          <p:cNvSpPr/>
+          <p:nvPr/>
+        </p:nvSpPr>
+        <p:spPr>
+          <a:xfrm>
+            <a:off x="6345634" y="3729077"/>
+            <a:ext cx="1330785" cy="414782"/>
+          </a:xfrm>
+          <a:prstGeom prst="roundRect">
+            <a:avLst/>
+          </a:prstGeom>
+          <a:noFill/>
+          <a:ln w="38100">
+            <a:noFill/>
+          </a:ln>
+        </p:spPr>
+        <p:style>
+          <a:lnRef idx="2">
+            <a:schemeClr val="accent1">
+              <a:shade val="50000"/>
+            </a:schemeClr>
+          </a:lnRef>
+          <a:fillRef idx="1">
+            <a:schemeClr val="accent1"/>
+          </a:fillRef>
+          <a:effectRef idx="0">
+            <a:schemeClr val="accent1"/>
+          </a:effectRef>
+          <a:fontRef idx="minor">
+            <a:schemeClr val="lt1"/>
+          </a:fontRef>
+        </p:style>
+        <p:txBody>
+          <a:bodyPr lIns="0" tIns="0" rIns="0" bIns="0" rtlCol="0" anchor="ctr"/>
+          <a:lstStyle/>
+          <a:p>
+            <a:pPr algn="ctr"/>
+            <a:r>
+              <a:rPr lang="en-US" altLang="zh-CN" sz="2000">
+                <a:solidFill>
+                  <a:schemeClr val="tx1"/>
+                </a:solidFill>
+                <a:latin typeface="Consolas" panose="020B0609020204030204" pitchFamily="49" charset="0"/>
+                <a:ea typeface="微软雅黑" panose="020B0503020204020204" pitchFamily="34" charset="-122"/>
+                <a:cs typeface="Microsoft Sans Serif" panose="020B0604020202020204" pitchFamily="34" charset="0"/>
+              </a:rPr>
+              <a:t>feed_list</a:t>
+            </a:r>
+          </a:p>
+        </p:txBody>
+      </p:sp>
+      <p:cxnSp>
+        <p:nvCxnSpPr>
+          <p:cNvPr id="83" name="直接箭头连接符 65">
+            <a:extLst>
+              <a:ext uri="{FF2B5EF4-FFF2-40B4-BE49-F238E27FC236}">
+                <a16:creationId xmlns:a16="http://schemas.microsoft.com/office/drawing/2014/main" id="{D22867BC-0606-4F6D-BF72-946644CE1F73}"/>
+              </a:ext>
+            </a:extLst>
+          </p:cNvPr>
+          <p:cNvCxnSpPr>
+            <a:cxnSpLocks/>
+            <a:stCxn id="6" idx="3"/>
+            <a:endCxn id="64" idx="1"/>
+          </p:cNvCxnSpPr>
+          <p:nvPr/>
+        </p:nvCxnSpPr>
+        <p:spPr>
+          <a:xfrm>
+            <a:off x="5241000" y="2681467"/>
+            <a:ext cx="1044439" cy="1589366"/>
+          </a:xfrm>
+          <a:prstGeom prst="curvedConnector3">
+            <a:avLst>
+              <a:gd name="adj1" fmla="val 50000"/>
+            </a:avLst>
+          </a:prstGeom>
+          <a:ln w="25400">
+            <a:solidFill>
+              <a:schemeClr val="accent6">
+                <a:lumMod val="60000"/>
+                <a:lumOff val="40000"/>
+              </a:schemeClr>
+            </a:solidFill>
+            <a:prstDash val="solid"/>
+            <a:tailEnd type="triangle"/>
+          </a:ln>
+        </p:spPr>
+        <p:style>
+          <a:lnRef idx="1">
+            <a:schemeClr val="accent1"/>
+          </a:lnRef>
+          <a:fillRef idx="0">
+            <a:schemeClr val="accent1"/>
+          </a:fillRef>
+          <a:effectRef idx="0">
+            <a:schemeClr val="accent1"/>
+          </a:effectRef>
+          <a:fontRef idx="minor">
+            <a:schemeClr val="tx1"/>
+          </a:fontRef>
+        </p:style>
+      </p:cxnSp>
+      <p:cxnSp>
+        <p:nvCxnSpPr>
+          <p:cNvPr id="106" name="连接符: 曲线 105">
+            <a:extLst>
+              <a:ext uri="{FF2B5EF4-FFF2-40B4-BE49-F238E27FC236}">
+                <a16:creationId xmlns:a16="http://schemas.microsoft.com/office/drawing/2014/main" id="{A48926C5-A064-4F66-B8BA-4EBBFAEF30D9}"/>
+              </a:ext>
+            </a:extLst>
+          </p:cNvPr>
+          <p:cNvCxnSpPr>
+            <a:stCxn id="4" idx="2"/>
+            <a:endCxn id="65" idx="1"/>
+          </p:cNvCxnSpPr>
+          <p:nvPr/>
+        </p:nvCxnSpPr>
+        <p:spPr>
+          <a:xfrm rot="5400000">
+            <a:off x="5420186" y="2947322"/>
+            <a:ext cx="1914595" cy="63697"/>
+          </a:xfrm>
+          <a:prstGeom prst="curvedConnector4">
+            <a:avLst>
+              <a:gd name="adj1" fmla="val 25480"/>
+              <a:gd name="adj2" fmla="val 918261"/>
+            </a:avLst>
+          </a:prstGeom>
+          <a:ln w="25400">
+            <a:solidFill>
+              <a:schemeClr val="accent5">
+                <a:lumMod val="60000"/>
+                <a:lumOff val="40000"/>
+              </a:schemeClr>
+            </a:solidFill>
+            <a:tailEnd type="triangle"/>
+          </a:ln>
+        </p:spPr>
+        <p:style>
+          <a:lnRef idx="1">
+            <a:schemeClr val="accent1"/>
+          </a:lnRef>
+          <a:fillRef idx="0">
+            <a:schemeClr val="accent1"/>
+          </a:fillRef>
+          <a:effectRef idx="0">
+            <a:schemeClr val="accent1"/>
+          </a:effectRef>
+          <a:fontRef idx="minor">
+            <a:schemeClr val="tx1"/>
+          </a:fontRef>
+        </p:style>
+      </p:cxnSp>
+      <p:cxnSp>
+        <p:nvCxnSpPr>
+          <p:cNvPr id="110" name="连接符: 曲线 109">
+            <a:extLst>
+              <a:ext uri="{FF2B5EF4-FFF2-40B4-BE49-F238E27FC236}">
+                <a16:creationId xmlns:a16="http://schemas.microsoft.com/office/drawing/2014/main" id="{D011E695-1777-48A1-8260-371C6C139E0C}"/>
+              </a:ext>
+            </a:extLst>
+          </p:cNvPr>
+          <p:cNvCxnSpPr>
+            <a:cxnSpLocks/>
+            <a:stCxn id="4" idx="2"/>
+            <a:endCxn id="23" idx="1"/>
+          </p:cNvCxnSpPr>
+          <p:nvPr/>
+        </p:nvCxnSpPr>
+        <p:spPr>
+          <a:xfrm rot="5400000">
+            <a:off x="5578157" y="2801897"/>
+            <a:ext cx="1611199" cy="51150"/>
+          </a:xfrm>
+          <a:prstGeom prst="curvedConnector4">
+            <a:avLst>
+              <a:gd name="adj1" fmla="val 29944"/>
+              <a:gd name="adj2" fmla="val 1071308"/>
+            </a:avLst>
+          </a:prstGeom>
+          <a:ln w="25400">
+            <a:solidFill>
+              <a:schemeClr val="accent5">
+                <a:lumMod val="60000"/>
+                <a:lumOff val="40000"/>
+              </a:schemeClr>
+            </a:solidFill>
+            <a:tailEnd type="triangle"/>
+          </a:ln>
+        </p:spPr>
+        <p:style>
+          <a:lnRef idx="1">
+            <a:schemeClr val="accent1"/>
+          </a:lnRef>
+          <a:fillRef idx="0">
+            <a:schemeClr val="accent1"/>
+          </a:fillRef>
+          <a:effectRef idx="0">
+            <a:schemeClr val="accent1"/>
+          </a:effectRef>
+          <a:fontRef idx="minor">
+            <a:schemeClr val="tx1"/>
+          </a:fontRef>
+        </p:style>
+      </p:cxnSp>
+      <p:cxnSp>
+        <p:nvCxnSpPr>
+          <p:cNvPr id="117" name="直接箭头连接符 116">
+            <a:extLst>
+              <a:ext uri="{FF2B5EF4-FFF2-40B4-BE49-F238E27FC236}">
+                <a16:creationId xmlns:a16="http://schemas.microsoft.com/office/drawing/2014/main" id="{77722114-BDE6-40DD-9877-1841C204B921}"/>
+              </a:ext>
+            </a:extLst>
+          </p:cNvPr>
+          <p:cNvCxnSpPr>
+            <a:cxnSpLocks/>
+          </p:cNvCxnSpPr>
+          <p:nvPr/>
+        </p:nvCxnSpPr>
+        <p:spPr>
+          <a:xfrm>
+            <a:off x="6384181" y="1207707"/>
+            <a:ext cx="0" cy="292754"/>
+          </a:xfrm>
+          <a:prstGeom prst="straightConnector1">
+            <a:avLst/>
+          </a:prstGeom>
+          <a:ln w="38100">
+            <a:solidFill>
+              <a:schemeClr val="tx1"/>
+            </a:solidFill>
+            <a:tailEnd type="triangle"/>
+          </a:ln>
+        </p:spPr>
+        <p:style>
+          <a:lnRef idx="1">
+            <a:schemeClr val="accent1"/>
+          </a:lnRef>
+          <a:fillRef idx="0">
+            <a:schemeClr val="accent1"/>
+          </a:fillRef>
+          <a:effectRef idx="0">
+            <a:schemeClr val="accent1"/>
+          </a:effectRef>
+          <a:fontRef idx="minor">
+            <a:schemeClr val="tx1"/>
+          </a:fontRef>
+        </p:style>
+      </p:cxnSp>
+    </p:spTree>
+    <p:extLst>
+      <p:ext uri="{BB962C8B-B14F-4D97-AF65-F5344CB8AC3E}">
+        <p14:creationId xmlns:p14="http://schemas.microsoft.com/office/powerpoint/2010/main" val="4038348363"/>
       </p:ext>
     </p:extLst>
   </p:cSld>
